--- a/images/Duty to Notify Registrar of Changes table_Final v2_20201217.pptx
+++ b/images/Duty to Notify Registrar of Changes table_Final v2_20201217.pptx
@@ -10,14 +10,14 @@
   <p:sldIdLst>
     <p:sldId id="257" r:id="rId6"/>
   </p:sldIdLst>
-  <p:sldSz cx="12192000" cy="25603200"/>
+  <p:sldSz cx="12190413" cy="39604950"/>
   <p:notesSz cx="7104063" cy="10234613"/>
   <p:defaultTextStyle>
     <a:defPPr>
       <a:defRPr lang="en-US"/>
     </a:defPPr>
-    <a:lvl1pPr marL="0" algn="l" defTabSz="457200" rtl="0" eaLnBrk="1" latinLnBrk="0" hangingPunct="1">
-      <a:defRPr sz="1800" kern="1200">
+    <a:lvl1pPr marL="0" algn="l" defTabSz="566196" rtl="0" eaLnBrk="1" latinLnBrk="0" hangingPunct="1">
+      <a:defRPr sz="2200" kern="1200">
         <a:solidFill>
           <a:schemeClr val="tx1"/>
         </a:solidFill>
@@ -26,8 +26,8 @@
         <a:cs typeface="+mn-cs"/>
       </a:defRPr>
     </a:lvl1pPr>
-    <a:lvl2pPr marL="457200" algn="l" defTabSz="457200" rtl="0" eaLnBrk="1" latinLnBrk="0" hangingPunct="1">
-      <a:defRPr sz="1800" kern="1200">
+    <a:lvl2pPr marL="566196" algn="l" defTabSz="566196" rtl="0" eaLnBrk="1" latinLnBrk="0" hangingPunct="1">
+      <a:defRPr sz="2200" kern="1200">
         <a:solidFill>
           <a:schemeClr val="tx1"/>
         </a:solidFill>
@@ -36,8 +36,8 @@
         <a:cs typeface="+mn-cs"/>
       </a:defRPr>
     </a:lvl2pPr>
-    <a:lvl3pPr marL="914400" algn="l" defTabSz="457200" rtl="0" eaLnBrk="1" latinLnBrk="0" hangingPunct="1">
-      <a:defRPr sz="1800" kern="1200">
+    <a:lvl3pPr marL="1132393" algn="l" defTabSz="566196" rtl="0" eaLnBrk="1" latinLnBrk="0" hangingPunct="1">
+      <a:defRPr sz="2200" kern="1200">
         <a:solidFill>
           <a:schemeClr val="tx1"/>
         </a:solidFill>
@@ -46,8 +46,8 @@
         <a:cs typeface="+mn-cs"/>
       </a:defRPr>
     </a:lvl3pPr>
-    <a:lvl4pPr marL="1371600" algn="l" defTabSz="457200" rtl="0" eaLnBrk="1" latinLnBrk="0" hangingPunct="1">
-      <a:defRPr sz="1800" kern="1200">
+    <a:lvl4pPr marL="1698589" algn="l" defTabSz="566196" rtl="0" eaLnBrk="1" latinLnBrk="0" hangingPunct="1">
+      <a:defRPr sz="2200" kern="1200">
         <a:solidFill>
           <a:schemeClr val="tx1"/>
         </a:solidFill>
@@ -56,8 +56,8 @@
         <a:cs typeface="+mn-cs"/>
       </a:defRPr>
     </a:lvl4pPr>
-    <a:lvl5pPr marL="1828800" algn="l" defTabSz="457200" rtl="0" eaLnBrk="1" latinLnBrk="0" hangingPunct="1">
-      <a:defRPr sz="1800" kern="1200">
+    <a:lvl5pPr marL="2264786" algn="l" defTabSz="566196" rtl="0" eaLnBrk="1" latinLnBrk="0" hangingPunct="1">
+      <a:defRPr sz="2200" kern="1200">
         <a:solidFill>
           <a:schemeClr val="tx1"/>
         </a:solidFill>
@@ -66,8 +66,8 @@
         <a:cs typeface="+mn-cs"/>
       </a:defRPr>
     </a:lvl5pPr>
-    <a:lvl6pPr marL="2286000" algn="l" defTabSz="457200" rtl="0" eaLnBrk="1" latinLnBrk="0" hangingPunct="1">
-      <a:defRPr sz="1800" kern="1200">
+    <a:lvl6pPr marL="2830982" algn="l" defTabSz="566196" rtl="0" eaLnBrk="1" latinLnBrk="0" hangingPunct="1">
+      <a:defRPr sz="2200" kern="1200">
         <a:solidFill>
           <a:schemeClr val="tx1"/>
         </a:solidFill>
@@ -76,8 +76,8 @@
         <a:cs typeface="+mn-cs"/>
       </a:defRPr>
     </a:lvl6pPr>
-    <a:lvl7pPr marL="2743200" algn="l" defTabSz="457200" rtl="0" eaLnBrk="1" latinLnBrk="0" hangingPunct="1">
-      <a:defRPr sz="1800" kern="1200">
+    <a:lvl7pPr marL="3397179" algn="l" defTabSz="566196" rtl="0" eaLnBrk="1" latinLnBrk="0" hangingPunct="1">
+      <a:defRPr sz="2200" kern="1200">
         <a:solidFill>
           <a:schemeClr val="tx1"/>
         </a:solidFill>
@@ -86,8 +86,8 @@
         <a:cs typeface="+mn-cs"/>
       </a:defRPr>
     </a:lvl7pPr>
-    <a:lvl8pPr marL="3200400" algn="l" defTabSz="457200" rtl="0" eaLnBrk="1" latinLnBrk="0" hangingPunct="1">
-      <a:defRPr sz="1800" kern="1200">
+    <a:lvl8pPr marL="3963375" algn="l" defTabSz="566196" rtl="0" eaLnBrk="1" latinLnBrk="0" hangingPunct="1">
+      <a:defRPr sz="2200" kern="1200">
         <a:solidFill>
           <a:schemeClr val="tx1"/>
         </a:solidFill>
@@ -96,8 +96,8 @@
         <a:cs typeface="+mn-cs"/>
       </a:defRPr>
     </a:lvl8pPr>
-    <a:lvl9pPr marL="3657600" algn="l" defTabSz="457200" rtl="0" eaLnBrk="1" latinLnBrk="0" hangingPunct="1">
-      <a:defRPr sz="1800" kern="1200">
+    <a:lvl9pPr marL="4529572" algn="l" defTabSz="566196" rtl="0" eaLnBrk="1" latinLnBrk="0" hangingPunct="1">
+      <a:defRPr sz="2200" kern="1200">
         <a:solidFill>
           <a:schemeClr val="tx1"/>
         </a:solidFill>
@@ -197,7 +197,7 @@
           <a:p>
             <a:fld id="{600100DE-7394-4A31-A2CC-EA53EA913D41}" type="datetimeFigureOut">
               <a:rPr lang="en-SG" smtClean="0"/>
-              <a:t>17/12/2020</a:t>
+              <a:t>8/4/2021</a:t>
             </a:fld>
             <a:endParaRPr lang="en-SG"/>
           </a:p>
@@ -215,8 +215,8 @@
         </p:nvSpPr>
         <p:spPr>
           <a:xfrm>
-            <a:off x="2728913" y="1279525"/>
-            <a:ext cx="1646237" cy="3454400"/>
+            <a:off x="3021013" y="1279525"/>
+            <a:ext cx="1062037" cy="3454400"/>
           </a:xfrm>
           <a:prstGeom prst="rect">
             <a:avLst/>
@@ -371,8 +371,8 @@
   </p:cSld>
   <p:clrMap bg1="lt1" tx1="dk1" bg2="lt2" tx2="dk2" accent1="accent1" accent2="accent2" accent3="accent3" accent4="accent4" accent5="accent5" accent6="accent6" hlink="hlink" folHlink="folHlink"/>
   <p:notesStyle>
-    <a:lvl1pPr marL="0" algn="l" defTabSz="914400" rtl="0" eaLnBrk="1" latinLnBrk="0" hangingPunct="1">
-      <a:defRPr sz="1200" kern="1200">
+    <a:lvl1pPr marL="0" algn="l" defTabSz="1132393" rtl="0" eaLnBrk="1" latinLnBrk="0" hangingPunct="1">
+      <a:defRPr sz="1500" kern="1200">
         <a:solidFill>
           <a:schemeClr val="tx1"/>
         </a:solidFill>
@@ -381,8 +381,8 @@
         <a:cs typeface="+mn-cs"/>
       </a:defRPr>
     </a:lvl1pPr>
-    <a:lvl2pPr marL="457200" algn="l" defTabSz="914400" rtl="0" eaLnBrk="1" latinLnBrk="0" hangingPunct="1">
-      <a:defRPr sz="1200" kern="1200">
+    <a:lvl2pPr marL="566196" algn="l" defTabSz="1132393" rtl="0" eaLnBrk="1" latinLnBrk="0" hangingPunct="1">
+      <a:defRPr sz="1500" kern="1200">
         <a:solidFill>
           <a:schemeClr val="tx1"/>
         </a:solidFill>
@@ -391,8 +391,8 @@
         <a:cs typeface="+mn-cs"/>
       </a:defRPr>
     </a:lvl2pPr>
-    <a:lvl3pPr marL="914400" algn="l" defTabSz="914400" rtl="0" eaLnBrk="1" latinLnBrk="0" hangingPunct="1">
-      <a:defRPr sz="1200" kern="1200">
+    <a:lvl3pPr marL="1132393" algn="l" defTabSz="1132393" rtl="0" eaLnBrk="1" latinLnBrk="0" hangingPunct="1">
+      <a:defRPr sz="1500" kern="1200">
         <a:solidFill>
           <a:schemeClr val="tx1"/>
         </a:solidFill>
@@ -401,8 +401,8 @@
         <a:cs typeface="+mn-cs"/>
       </a:defRPr>
     </a:lvl3pPr>
-    <a:lvl4pPr marL="1371600" algn="l" defTabSz="914400" rtl="0" eaLnBrk="1" latinLnBrk="0" hangingPunct="1">
-      <a:defRPr sz="1200" kern="1200">
+    <a:lvl4pPr marL="1698589" algn="l" defTabSz="1132393" rtl="0" eaLnBrk="1" latinLnBrk="0" hangingPunct="1">
+      <a:defRPr sz="1500" kern="1200">
         <a:solidFill>
           <a:schemeClr val="tx1"/>
         </a:solidFill>
@@ -411,8 +411,8 @@
         <a:cs typeface="+mn-cs"/>
       </a:defRPr>
     </a:lvl4pPr>
-    <a:lvl5pPr marL="1828800" algn="l" defTabSz="914400" rtl="0" eaLnBrk="1" latinLnBrk="0" hangingPunct="1">
-      <a:defRPr sz="1200" kern="1200">
+    <a:lvl5pPr marL="2264786" algn="l" defTabSz="1132393" rtl="0" eaLnBrk="1" latinLnBrk="0" hangingPunct="1">
+      <a:defRPr sz="1500" kern="1200">
         <a:solidFill>
           <a:schemeClr val="tx1"/>
         </a:solidFill>
@@ -421,8 +421,8 @@
         <a:cs typeface="+mn-cs"/>
       </a:defRPr>
     </a:lvl5pPr>
-    <a:lvl6pPr marL="2286000" algn="l" defTabSz="914400" rtl="0" eaLnBrk="1" latinLnBrk="0" hangingPunct="1">
-      <a:defRPr sz="1200" kern="1200">
+    <a:lvl6pPr marL="2830982" algn="l" defTabSz="1132393" rtl="0" eaLnBrk="1" latinLnBrk="0" hangingPunct="1">
+      <a:defRPr sz="1500" kern="1200">
         <a:solidFill>
           <a:schemeClr val="tx1"/>
         </a:solidFill>
@@ -431,8 +431,8 @@
         <a:cs typeface="+mn-cs"/>
       </a:defRPr>
     </a:lvl6pPr>
-    <a:lvl7pPr marL="2743200" algn="l" defTabSz="914400" rtl="0" eaLnBrk="1" latinLnBrk="0" hangingPunct="1">
-      <a:defRPr sz="1200" kern="1200">
+    <a:lvl7pPr marL="3397179" algn="l" defTabSz="1132393" rtl="0" eaLnBrk="1" latinLnBrk="0" hangingPunct="1">
+      <a:defRPr sz="1500" kern="1200">
         <a:solidFill>
           <a:schemeClr val="tx1"/>
         </a:solidFill>
@@ -441,8 +441,8 @@
         <a:cs typeface="+mn-cs"/>
       </a:defRPr>
     </a:lvl7pPr>
-    <a:lvl8pPr marL="3200400" algn="l" defTabSz="914400" rtl="0" eaLnBrk="1" latinLnBrk="0" hangingPunct="1">
-      <a:defRPr sz="1200" kern="1200">
+    <a:lvl8pPr marL="3963375" algn="l" defTabSz="1132393" rtl="0" eaLnBrk="1" latinLnBrk="0" hangingPunct="1">
+      <a:defRPr sz="1500" kern="1200">
         <a:solidFill>
           <a:schemeClr val="tx1"/>
         </a:solidFill>
@@ -451,8 +451,8 @@
         <a:cs typeface="+mn-cs"/>
       </a:defRPr>
     </a:lvl8pPr>
-    <a:lvl9pPr marL="3657600" algn="l" defTabSz="914400" rtl="0" eaLnBrk="1" latinLnBrk="0" hangingPunct="1">
-      <a:defRPr sz="1200" kern="1200">
+    <a:lvl9pPr marL="4529572" algn="l" defTabSz="1132393" rtl="0" eaLnBrk="1" latinLnBrk="0" hangingPunct="1">
+      <a:defRPr sz="1500" kern="1200">
         <a:solidFill>
           <a:schemeClr val="tx1"/>
         </a:solidFill>
@@ -494,15 +494,15 @@
         </p:nvSpPr>
         <p:spPr>
           <a:xfrm>
-            <a:off x="914400" y="4190155"/>
-            <a:ext cx="10363200" cy="8913707"/>
+            <a:off x="914286" y="6481650"/>
+            <a:ext cx="10361851" cy="13788390"/>
           </a:xfrm>
         </p:spPr>
         <p:txBody>
           <a:bodyPr anchor="b"/>
           <a:lstStyle>
             <a:lvl1pPr algn="ctr">
-              <a:defRPr sz="8000"/>
+              <a:defRPr sz="9900"/>
             </a:lvl1pPr>
           </a:lstStyle>
           <a:p>
@@ -526,8 +526,8 @@
         </p:nvSpPr>
         <p:spPr>
           <a:xfrm>
-            <a:off x="1524000" y="13447609"/>
-            <a:ext cx="9144000" cy="6181511"/>
+            <a:off x="1523802" y="20801775"/>
+            <a:ext cx="9142810" cy="9562026"/>
           </a:xfrm>
         </p:spPr>
         <p:txBody>
@@ -535,39 +535,39 @@
           <a:lstStyle>
             <a:lvl1pPr marL="0" indent="0" algn="ctr">
               <a:buNone/>
-              <a:defRPr sz="3200"/>
+              <a:defRPr sz="4000"/>
             </a:lvl1pPr>
-            <a:lvl2pPr marL="609615" indent="0" algn="ctr">
+            <a:lvl2pPr marL="754947" indent="0" algn="ctr">
               <a:buNone/>
-              <a:defRPr sz="2667"/>
+              <a:defRPr sz="3300"/>
             </a:lvl2pPr>
-            <a:lvl3pPr marL="1219230" indent="0" algn="ctr">
+            <a:lvl3pPr marL="1509894" indent="0" algn="ctr">
               <a:buNone/>
-              <a:defRPr sz="2400"/>
+              <a:defRPr sz="3000"/>
             </a:lvl3pPr>
-            <a:lvl4pPr marL="1828844" indent="0" algn="ctr">
+            <a:lvl4pPr marL="2264840" indent="0" algn="ctr">
               <a:buNone/>
-              <a:defRPr sz="2133"/>
+              <a:defRPr sz="2600"/>
             </a:lvl4pPr>
-            <a:lvl5pPr marL="2438458" indent="0" algn="ctr">
+            <a:lvl5pPr marL="3019786" indent="0" algn="ctr">
               <a:buNone/>
-              <a:defRPr sz="2133"/>
+              <a:defRPr sz="2600"/>
             </a:lvl5pPr>
-            <a:lvl6pPr marL="3048073" indent="0" algn="ctr">
+            <a:lvl6pPr marL="3774734" indent="0" algn="ctr">
               <a:buNone/>
-              <a:defRPr sz="2133"/>
+              <a:defRPr sz="2600"/>
             </a:lvl6pPr>
-            <a:lvl7pPr marL="3657688" indent="0" algn="ctr">
+            <a:lvl7pPr marL="4529681" indent="0" algn="ctr">
               <a:buNone/>
-              <a:defRPr sz="2133"/>
+              <a:defRPr sz="2600"/>
             </a:lvl7pPr>
-            <a:lvl8pPr marL="4267302" indent="0" algn="ctr">
+            <a:lvl8pPr marL="5284627" indent="0" algn="ctr">
               <a:buNone/>
-              <a:defRPr sz="2133"/>
+              <a:defRPr sz="2600"/>
             </a:lvl8pPr>
-            <a:lvl9pPr marL="4876917" indent="0" algn="ctr">
+            <a:lvl9pPr marL="6039574" indent="0" algn="ctr">
               <a:buNone/>
-              <a:defRPr sz="2133"/>
+              <a:defRPr sz="2600"/>
             </a:lvl9pPr>
           </a:lstStyle>
           <a:p>
@@ -596,7 +596,7 @@
           <a:p>
             <a:fld id="{00DD968C-18A9-4288-B339-3605DF27355E}" type="datetimeFigureOut">
               <a:rPr lang="en-SG" smtClean="0"/>
-              <a:t>17/12/2020</a:t>
+              <a:t>8/4/2021</a:t>
             </a:fld>
             <a:endParaRPr lang="en-SG"/>
           </a:p>
@@ -766,7 +766,7 @@
           <a:p>
             <a:fld id="{00DD968C-18A9-4288-B339-3605DF27355E}" type="datetimeFigureOut">
               <a:rPr lang="en-SG" smtClean="0"/>
-              <a:t>17/12/2020</a:t>
+              <a:t>8/4/2021</a:t>
             </a:fld>
             <a:endParaRPr lang="en-SG"/>
           </a:p>
@@ -856,8 +856,8 @@
         </p:nvSpPr>
         <p:spPr>
           <a:xfrm>
-            <a:off x="8724901" y="1363134"/>
-            <a:ext cx="2628900" cy="21697529"/>
+            <a:off x="8723765" y="2108600"/>
+            <a:ext cx="2628558" cy="33563366"/>
           </a:xfrm>
         </p:spPr>
         <p:txBody>
@@ -884,8 +884,8 @@
         </p:nvSpPr>
         <p:spPr>
           <a:xfrm>
-            <a:off x="838201" y="1363134"/>
-            <a:ext cx="7734300" cy="21697529"/>
+            <a:off x="838096" y="2108600"/>
+            <a:ext cx="7733293" cy="33563366"/>
           </a:xfrm>
         </p:spPr>
         <p:txBody>
@@ -946,7 +946,7 @@
           <a:p>
             <a:fld id="{00DD968C-18A9-4288-B339-3605DF27355E}" type="datetimeFigureOut">
               <a:rPr lang="en-SG" smtClean="0"/>
-              <a:t>17/12/2020</a:t>
+              <a:t>8/4/2021</a:t>
             </a:fld>
             <a:endParaRPr lang="en-SG"/>
           </a:p>
@@ -1116,7 +1116,7 @@
           <a:p>
             <a:fld id="{00DD968C-18A9-4288-B339-3605DF27355E}" type="datetimeFigureOut">
               <a:rPr lang="en-SG" smtClean="0"/>
-              <a:t>17/12/2020</a:t>
+              <a:t>8/4/2021</a:t>
             </a:fld>
             <a:endParaRPr lang="en-SG"/>
           </a:p>
@@ -1206,15 +1206,15 @@
         </p:nvSpPr>
         <p:spPr>
           <a:xfrm>
-            <a:off x="831851" y="6383028"/>
-            <a:ext cx="10515600" cy="10650218"/>
+            <a:off x="831746" y="9873751"/>
+            <a:ext cx="10514232" cy="16474555"/>
           </a:xfrm>
         </p:spPr>
         <p:txBody>
           <a:bodyPr anchor="b"/>
           <a:lstStyle>
             <a:lvl1pPr>
-              <a:defRPr sz="8000"/>
+              <a:defRPr sz="9900"/>
             </a:lvl1pPr>
           </a:lstStyle>
           <a:p>
@@ -1238,8 +1238,8 @@
         </p:nvSpPr>
         <p:spPr>
           <a:xfrm>
-            <a:off x="831851" y="17134002"/>
-            <a:ext cx="10515600" cy="5600698"/>
+            <a:off x="831746" y="26504165"/>
+            <a:ext cx="10514232" cy="8663579"/>
           </a:xfrm>
         </p:spPr>
         <p:txBody>
@@ -1247,15 +1247,15 @@
           <a:lstStyle>
             <a:lvl1pPr marL="0" indent="0">
               <a:buNone/>
-              <a:defRPr sz="3200">
+              <a:defRPr sz="4000">
                 <a:solidFill>
                   <a:schemeClr val="tx1"/>
                 </a:solidFill>
               </a:defRPr>
             </a:lvl1pPr>
-            <a:lvl2pPr marL="609615" indent="0">
+            <a:lvl2pPr marL="754947" indent="0">
               <a:buNone/>
-              <a:defRPr sz="2667">
+              <a:defRPr sz="3300">
                 <a:solidFill>
                   <a:schemeClr val="tx1">
                     <a:tint val="75000"/>
@@ -1263,9 +1263,9 @@
                 </a:solidFill>
               </a:defRPr>
             </a:lvl2pPr>
-            <a:lvl3pPr marL="1219230" indent="0">
+            <a:lvl3pPr marL="1509894" indent="0">
               <a:buNone/>
-              <a:defRPr sz="2400">
+              <a:defRPr sz="3000">
                 <a:solidFill>
                   <a:schemeClr val="tx1">
                     <a:tint val="75000"/>
@@ -1273,9 +1273,9 @@
                 </a:solidFill>
               </a:defRPr>
             </a:lvl3pPr>
-            <a:lvl4pPr marL="1828844" indent="0">
+            <a:lvl4pPr marL="2264840" indent="0">
               <a:buNone/>
-              <a:defRPr sz="2133">
+              <a:defRPr sz="2600">
                 <a:solidFill>
                   <a:schemeClr val="tx1">
                     <a:tint val="75000"/>
@@ -1283,9 +1283,9 @@
                 </a:solidFill>
               </a:defRPr>
             </a:lvl4pPr>
-            <a:lvl5pPr marL="2438458" indent="0">
+            <a:lvl5pPr marL="3019786" indent="0">
               <a:buNone/>
-              <a:defRPr sz="2133">
+              <a:defRPr sz="2600">
                 <a:solidFill>
                   <a:schemeClr val="tx1">
                     <a:tint val="75000"/>
@@ -1293,9 +1293,9 @@
                 </a:solidFill>
               </a:defRPr>
             </a:lvl5pPr>
-            <a:lvl6pPr marL="3048073" indent="0">
+            <a:lvl6pPr marL="3774734" indent="0">
               <a:buNone/>
-              <a:defRPr sz="2133">
+              <a:defRPr sz="2600">
                 <a:solidFill>
                   <a:schemeClr val="tx1">
                     <a:tint val="75000"/>
@@ -1303,9 +1303,9 @@
                 </a:solidFill>
               </a:defRPr>
             </a:lvl6pPr>
-            <a:lvl7pPr marL="3657688" indent="0">
+            <a:lvl7pPr marL="4529681" indent="0">
               <a:buNone/>
-              <a:defRPr sz="2133">
+              <a:defRPr sz="2600">
                 <a:solidFill>
                   <a:schemeClr val="tx1">
                     <a:tint val="75000"/>
@@ -1313,9 +1313,9 @@
                 </a:solidFill>
               </a:defRPr>
             </a:lvl7pPr>
-            <a:lvl8pPr marL="4267302" indent="0">
+            <a:lvl8pPr marL="5284627" indent="0">
               <a:buNone/>
-              <a:defRPr sz="2133">
+              <a:defRPr sz="2600">
                 <a:solidFill>
                   <a:schemeClr val="tx1">
                     <a:tint val="75000"/>
@@ -1323,9 +1323,9 @@
                 </a:solidFill>
               </a:defRPr>
             </a:lvl8pPr>
-            <a:lvl9pPr marL="4876917" indent="0">
+            <a:lvl9pPr marL="6039574" indent="0">
               <a:buNone/>
-              <a:defRPr sz="2133">
+              <a:defRPr sz="2600">
                 <a:solidFill>
                   <a:schemeClr val="tx1">
                     <a:tint val="75000"/>
@@ -1360,7 +1360,7 @@
           <a:p>
             <a:fld id="{00DD968C-18A9-4288-B339-3605DF27355E}" type="datetimeFigureOut">
               <a:rPr lang="en-SG" smtClean="0"/>
-              <a:t>17/12/2020</a:t>
+              <a:t>8/4/2021</a:t>
             </a:fld>
             <a:endParaRPr lang="en-SG"/>
           </a:p>
@@ -1473,8 +1473,8 @@
         </p:nvSpPr>
         <p:spPr>
           <a:xfrm>
-            <a:off x="838200" y="6815668"/>
-            <a:ext cx="5181600" cy="16244995"/>
+            <a:off x="838095" y="10542988"/>
+            <a:ext cx="5180926" cy="25128976"/>
           </a:xfrm>
         </p:spPr>
         <p:txBody>
@@ -1530,8 +1530,8 @@
         </p:nvSpPr>
         <p:spPr>
           <a:xfrm>
-            <a:off x="6172200" y="6815668"/>
-            <a:ext cx="5181600" cy="16244995"/>
+            <a:off x="6171400" y="10542988"/>
+            <a:ext cx="5180926" cy="25128976"/>
           </a:xfrm>
         </p:spPr>
         <p:txBody>
@@ -1592,7 +1592,7 @@
           <a:p>
             <a:fld id="{00DD968C-18A9-4288-B339-3605DF27355E}" type="datetimeFigureOut">
               <a:rPr lang="en-SG" smtClean="0"/>
-              <a:t>17/12/2020</a:t>
+              <a:t>8/4/2021</a:t>
             </a:fld>
             <a:endParaRPr lang="en-SG"/>
           </a:p>
@@ -1682,8 +1682,8 @@
         </p:nvSpPr>
         <p:spPr>
           <a:xfrm>
-            <a:off x="839788" y="1363140"/>
-            <a:ext cx="10515600" cy="4948769"/>
+            <a:off x="839683" y="2108613"/>
+            <a:ext cx="10514232" cy="7655129"/>
           </a:xfrm>
         </p:spPr>
         <p:txBody>
@@ -1710,8 +1710,8 @@
         </p:nvSpPr>
         <p:spPr>
           <a:xfrm>
-            <a:off x="839791" y="6276342"/>
-            <a:ext cx="5157787" cy="3075938"/>
+            <a:off x="839682" y="9708718"/>
+            <a:ext cx="5157116" cy="4758090"/>
           </a:xfrm>
         </p:spPr>
         <p:txBody>
@@ -1719,39 +1719,39 @@
           <a:lstStyle>
             <a:lvl1pPr marL="0" indent="0">
               <a:buNone/>
-              <a:defRPr sz="3200" b="1"/>
+              <a:defRPr sz="4000" b="1"/>
             </a:lvl1pPr>
-            <a:lvl2pPr marL="609615" indent="0">
+            <a:lvl2pPr marL="754947" indent="0">
               <a:buNone/>
-              <a:defRPr sz="2667" b="1"/>
+              <a:defRPr sz="3300" b="1"/>
             </a:lvl2pPr>
-            <a:lvl3pPr marL="1219230" indent="0">
+            <a:lvl3pPr marL="1509894" indent="0">
               <a:buNone/>
-              <a:defRPr sz="2400" b="1"/>
+              <a:defRPr sz="3000" b="1"/>
             </a:lvl3pPr>
-            <a:lvl4pPr marL="1828844" indent="0">
+            <a:lvl4pPr marL="2264840" indent="0">
               <a:buNone/>
-              <a:defRPr sz="2133" b="1"/>
+              <a:defRPr sz="2600" b="1"/>
             </a:lvl4pPr>
-            <a:lvl5pPr marL="2438458" indent="0">
+            <a:lvl5pPr marL="3019786" indent="0">
               <a:buNone/>
-              <a:defRPr sz="2133" b="1"/>
+              <a:defRPr sz="2600" b="1"/>
             </a:lvl5pPr>
-            <a:lvl6pPr marL="3048073" indent="0">
+            <a:lvl6pPr marL="3774734" indent="0">
               <a:buNone/>
-              <a:defRPr sz="2133" b="1"/>
+              <a:defRPr sz="2600" b="1"/>
             </a:lvl6pPr>
-            <a:lvl7pPr marL="3657688" indent="0">
+            <a:lvl7pPr marL="4529681" indent="0">
               <a:buNone/>
-              <a:defRPr sz="2133" b="1"/>
+              <a:defRPr sz="2600" b="1"/>
             </a:lvl7pPr>
-            <a:lvl8pPr marL="4267302" indent="0">
+            <a:lvl8pPr marL="5284627" indent="0">
               <a:buNone/>
-              <a:defRPr sz="2133" b="1"/>
+              <a:defRPr sz="2600" b="1"/>
             </a:lvl8pPr>
-            <a:lvl9pPr marL="4876917" indent="0">
+            <a:lvl9pPr marL="6039574" indent="0">
               <a:buNone/>
-              <a:defRPr sz="2133" b="1"/>
+              <a:defRPr sz="2600" b="1"/>
             </a:lvl9pPr>
           </a:lstStyle>
           <a:p>
@@ -1775,8 +1775,8 @@
         </p:nvSpPr>
         <p:spPr>
           <a:xfrm>
-            <a:off x="839791" y="9352281"/>
-            <a:ext cx="5157787" cy="13755795"/>
+            <a:off x="839682" y="14466813"/>
+            <a:ext cx="5157116" cy="21278497"/>
           </a:xfrm>
         </p:spPr>
         <p:txBody>
@@ -1832,8 +1832,8 @@
         </p:nvSpPr>
         <p:spPr>
           <a:xfrm>
-            <a:off x="6172201" y="6276342"/>
-            <a:ext cx="5183188" cy="3075938"/>
+            <a:off x="6171405" y="9708718"/>
+            <a:ext cx="5182513" cy="4758090"/>
           </a:xfrm>
         </p:spPr>
         <p:txBody>
@@ -1841,39 +1841,39 @@
           <a:lstStyle>
             <a:lvl1pPr marL="0" indent="0">
               <a:buNone/>
-              <a:defRPr sz="3200" b="1"/>
+              <a:defRPr sz="4000" b="1"/>
             </a:lvl1pPr>
-            <a:lvl2pPr marL="609615" indent="0">
+            <a:lvl2pPr marL="754947" indent="0">
               <a:buNone/>
-              <a:defRPr sz="2667" b="1"/>
+              <a:defRPr sz="3300" b="1"/>
             </a:lvl2pPr>
-            <a:lvl3pPr marL="1219230" indent="0">
+            <a:lvl3pPr marL="1509894" indent="0">
               <a:buNone/>
-              <a:defRPr sz="2400" b="1"/>
+              <a:defRPr sz="3000" b="1"/>
             </a:lvl3pPr>
-            <a:lvl4pPr marL="1828844" indent="0">
+            <a:lvl4pPr marL="2264840" indent="0">
               <a:buNone/>
-              <a:defRPr sz="2133" b="1"/>
+              <a:defRPr sz="2600" b="1"/>
             </a:lvl4pPr>
-            <a:lvl5pPr marL="2438458" indent="0">
+            <a:lvl5pPr marL="3019786" indent="0">
               <a:buNone/>
-              <a:defRPr sz="2133" b="1"/>
+              <a:defRPr sz="2600" b="1"/>
             </a:lvl5pPr>
-            <a:lvl6pPr marL="3048073" indent="0">
+            <a:lvl6pPr marL="3774734" indent="0">
               <a:buNone/>
-              <a:defRPr sz="2133" b="1"/>
+              <a:defRPr sz="2600" b="1"/>
             </a:lvl6pPr>
-            <a:lvl7pPr marL="3657688" indent="0">
+            <a:lvl7pPr marL="4529681" indent="0">
               <a:buNone/>
-              <a:defRPr sz="2133" b="1"/>
+              <a:defRPr sz="2600" b="1"/>
             </a:lvl7pPr>
-            <a:lvl8pPr marL="4267302" indent="0">
+            <a:lvl8pPr marL="5284627" indent="0">
               <a:buNone/>
-              <a:defRPr sz="2133" b="1"/>
+              <a:defRPr sz="2600" b="1"/>
             </a:lvl8pPr>
-            <a:lvl9pPr marL="4876917" indent="0">
+            <a:lvl9pPr marL="6039574" indent="0">
               <a:buNone/>
-              <a:defRPr sz="2133" b="1"/>
+              <a:defRPr sz="2600" b="1"/>
             </a:lvl9pPr>
           </a:lstStyle>
           <a:p>
@@ -1897,8 +1897,8 @@
         </p:nvSpPr>
         <p:spPr>
           <a:xfrm>
-            <a:off x="6172201" y="9352281"/>
-            <a:ext cx="5183188" cy="13755795"/>
+            <a:off x="6171405" y="14466813"/>
+            <a:ext cx="5182513" cy="21278497"/>
           </a:xfrm>
         </p:spPr>
         <p:txBody>
@@ -1959,7 +1959,7 @@
           <a:p>
             <a:fld id="{00DD968C-18A9-4288-B339-3605DF27355E}" type="datetimeFigureOut">
               <a:rPr lang="en-SG" smtClean="0"/>
-              <a:t>17/12/2020</a:t>
+              <a:t>8/4/2021</a:t>
             </a:fld>
             <a:endParaRPr lang="en-SG"/>
           </a:p>
@@ -2077,7 +2077,7 @@
           <a:p>
             <a:fld id="{00DD968C-18A9-4288-B339-3605DF27355E}" type="datetimeFigureOut">
               <a:rPr lang="en-SG" smtClean="0"/>
-              <a:t>17/12/2020</a:t>
+              <a:t>8/4/2021</a:t>
             </a:fld>
             <a:endParaRPr lang="en-SG"/>
           </a:p>
@@ -2172,7 +2172,7 @@
           <a:p>
             <a:fld id="{00DD968C-18A9-4288-B339-3605DF27355E}" type="datetimeFigureOut">
               <a:rPr lang="en-SG" smtClean="0"/>
-              <a:t>17/12/2020</a:t>
+              <a:t>8/4/2021</a:t>
             </a:fld>
             <a:endParaRPr lang="en-SG"/>
           </a:p>
@@ -2262,15 +2262,15 @@
         </p:nvSpPr>
         <p:spPr>
           <a:xfrm>
-            <a:off x="839790" y="1706880"/>
-            <a:ext cx="3932237" cy="5974080"/>
+            <a:off x="839690" y="2640333"/>
+            <a:ext cx="3931725" cy="9241156"/>
           </a:xfrm>
         </p:spPr>
         <p:txBody>
           <a:bodyPr anchor="b"/>
           <a:lstStyle>
             <a:lvl1pPr>
-              <a:defRPr sz="4268"/>
+              <a:defRPr sz="5300"/>
             </a:lvl1pPr>
           </a:lstStyle>
           <a:p>
@@ -2294,39 +2294,39 @@
         </p:nvSpPr>
         <p:spPr>
           <a:xfrm>
-            <a:off x="5183188" y="3686393"/>
-            <a:ext cx="6172200" cy="18194867"/>
+            <a:off x="5182517" y="5702394"/>
+            <a:ext cx="6171396" cy="28145185"/>
           </a:xfrm>
         </p:spPr>
         <p:txBody>
           <a:bodyPr/>
           <a:lstStyle>
             <a:lvl1pPr>
-              <a:defRPr sz="4268"/>
+              <a:defRPr sz="5300"/>
             </a:lvl1pPr>
             <a:lvl2pPr>
-              <a:defRPr sz="3733"/>
+              <a:defRPr sz="4600"/>
             </a:lvl2pPr>
             <a:lvl3pPr>
-              <a:defRPr sz="3200"/>
+              <a:defRPr sz="4000"/>
             </a:lvl3pPr>
             <a:lvl4pPr>
-              <a:defRPr sz="2667"/>
+              <a:defRPr sz="3300"/>
             </a:lvl4pPr>
             <a:lvl5pPr>
-              <a:defRPr sz="2667"/>
+              <a:defRPr sz="3300"/>
             </a:lvl5pPr>
             <a:lvl6pPr>
-              <a:defRPr sz="2667"/>
+              <a:defRPr sz="3300"/>
             </a:lvl6pPr>
             <a:lvl7pPr>
-              <a:defRPr sz="2667"/>
+              <a:defRPr sz="3300"/>
             </a:lvl7pPr>
             <a:lvl8pPr>
-              <a:defRPr sz="2667"/>
+              <a:defRPr sz="3300"/>
             </a:lvl8pPr>
             <a:lvl9pPr>
-              <a:defRPr sz="2667"/>
+              <a:defRPr sz="3300"/>
             </a:lvl9pPr>
           </a:lstStyle>
           <a:p>
@@ -2379,8 +2379,8 @@
         </p:nvSpPr>
         <p:spPr>
           <a:xfrm>
-            <a:off x="839790" y="7680961"/>
-            <a:ext cx="3932237" cy="14229929"/>
+            <a:off x="839690" y="11881491"/>
+            <a:ext cx="3931725" cy="22011921"/>
           </a:xfrm>
         </p:spPr>
         <p:txBody>
@@ -2388,39 +2388,39 @@
           <a:lstStyle>
             <a:lvl1pPr marL="0" indent="0">
               <a:buNone/>
-              <a:defRPr sz="2133"/>
+              <a:defRPr sz="2600"/>
             </a:lvl1pPr>
-            <a:lvl2pPr marL="609615" indent="0">
+            <a:lvl2pPr marL="754947" indent="0">
               <a:buNone/>
-              <a:defRPr sz="1867"/>
+              <a:defRPr sz="2300"/>
             </a:lvl2pPr>
-            <a:lvl3pPr marL="1219230" indent="0">
+            <a:lvl3pPr marL="1509894" indent="0">
               <a:buNone/>
-              <a:defRPr sz="1600"/>
+              <a:defRPr sz="2000"/>
             </a:lvl3pPr>
-            <a:lvl4pPr marL="1828844" indent="0">
+            <a:lvl4pPr marL="2264840" indent="0">
               <a:buNone/>
-              <a:defRPr sz="1334"/>
+              <a:defRPr sz="1700"/>
             </a:lvl4pPr>
-            <a:lvl5pPr marL="2438458" indent="0">
+            <a:lvl5pPr marL="3019786" indent="0">
               <a:buNone/>
-              <a:defRPr sz="1334"/>
+              <a:defRPr sz="1700"/>
             </a:lvl5pPr>
-            <a:lvl6pPr marL="3048073" indent="0">
+            <a:lvl6pPr marL="3774734" indent="0">
               <a:buNone/>
-              <a:defRPr sz="1334"/>
+              <a:defRPr sz="1700"/>
             </a:lvl6pPr>
-            <a:lvl7pPr marL="3657688" indent="0">
+            <a:lvl7pPr marL="4529681" indent="0">
               <a:buNone/>
-              <a:defRPr sz="1334"/>
+              <a:defRPr sz="1700"/>
             </a:lvl7pPr>
-            <a:lvl8pPr marL="4267302" indent="0">
+            <a:lvl8pPr marL="5284627" indent="0">
               <a:buNone/>
-              <a:defRPr sz="1334"/>
+              <a:defRPr sz="1700"/>
             </a:lvl8pPr>
-            <a:lvl9pPr marL="4876917" indent="0">
+            <a:lvl9pPr marL="6039574" indent="0">
               <a:buNone/>
-              <a:defRPr sz="1334"/>
+              <a:defRPr sz="1700"/>
             </a:lvl9pPr>
           </a:lstStyle>
           <a:p>
@@ -2449,7 +2449,7 @@
           <a:p>
             <a:fld id="{00DD968C-18A9-4288-B339-3605DF27355E}" type="datetimeFigureOut">
               <a:rPr lang="en-SG" smtClean="0"/>
-              <a:t>17/12/2020</a:t>
+              <a:t>8/4/2021</a:t>
             </a:fld>
             <a:endParaRPr lang="en-SG"/>
           </a:p>
@@ -2539,15 +2539,15 @@
         </p:nvSpPr>
         <p:spPr>
           <a:xfrm>
-            <a:off x="839790" y="1706880"/>
-            <a:ext cx="3932237" cy="5974080"/>
+            <a:off x="839690" y="2640333"/>
+            <a:ext cx="3931725" cy="9241156"/>
           </a:xfrm>
         </p:spPr>
         <p:txBody>
           <a:bodyPr anchor="b"/>
           <a:lstStyle>
             <a:lvl1pPr>
-              <a:defRPr sz="4268"/>
+              <a:defRPr sz="5300"/>
             </a:lvl1pPr>
           </a:lstStyle>
           <a:p>
@@ -2571,8 +2571,8 @@
         </p:nvSpPr>
         <p:spPr>
           <a:xfrm>
-            <a:off x="5183188" y="3686393"/>
-            <a:ext cx="6172200" cy="18194867"/>
+            <a:off x="5182517" y="5702394"/>
+            <a:ext cx="6171396" cy="28145185"/>
           </a:xfrm>
         </p:spPr>
         <p:txBody>
@@ -2580,39 +2580,39 @@
           <a:lstStyle>
             <a:lvl1pPr marL="0" indent="0">
               <a:buNone/>
-              <a:defRPr sz="4268"/>
+              <a:defRPr sz="5300"/>
             </a:lvl1pPr>
-            <a:lvl2pPr marL="609615" indent="0">
+            <a:lvl2pPr marL="754947" indent="0">
               <a:buNone/>
-              <a:defRPr sz="3733"/>
+              <a:defRPr sz="4600"/>
             </a:lvl2pPr>
-            <a:lvl3pPr marL="1219230" indent="0">
+            <a:lvl3pPr marL="1509894" indent="0">
               <a:buNone/>
-              <a:defRPr sz="3200"/>
+              <a:defRPr sz="4000"/>
             </a:lvl3pPr>
-            <a:lvl4pPr marL="1828844" indent="0">
+            <a:lvl4pPr marL="2264840" indent="0">
               <a:buNone/>
-              <a:defRPr sz="2667"/>
+              <a:defRPr sz="3300"/>
             </a:lvl4pPr>
-            <a:lvl5pPr marL="2438458" indent="0">
+            <a:lvl5pPr marL="3019786" indent="0">
               <a:buNone/>
-              <a:defRPr sz="2667"/>
+              <a:defRPr sz="3300"/>
             </a:lvl5pPr>
-            <a:lvl6pPr marL="3048073" indent="0">
+            <a:lvl6pPr marL="3774734" indent="0">
               <a:buNone/>
-              <a:defRPr sz="2667"/>
+              <a:defRPr sz="3300"/>
             </a:lvl6pPr>
-            <a:lvl7pPr marL="3657688" indent="0">
+            <a:lvl7pPr marL="4529681" indent="0">
               <a:buNone/>
-              <a:defRPr sz="2667"/>
+              <a:defRPr sz="3300"/>
             </a:lvl7pPr>
-            <a:lvl8pPr marL="4267302" indent="0">
+            <a:lvl8pPr marL="5284627" indent="0">
               <a:buNone/>
-              <a:defRPr sz="2667"/>
+              <a:defRPr sz="3300"/>
             </a:lvl8pPr>
-            <a:lvl9pPr marL="4876917" indent="0">
+            <a:lvl9pPr marL="6039574" indent="0">
               <a:buNone/>
-              <a:defRPr sz="2667"/>
+              <a:defRPr sz="3300"/>
             </a:lvl9pPr>
           </a:lstStyle>
           <a:p>
@@ -2636,8 +2636,8 @@
         </p:nvSpPr>
         <p:spPr>
           <a:xfrm>
-            <a:off x="839790" y="7680961"/>
-            <a:ext cx="3932237" cy="14229929"/>
+            <a:off x="839690" y="11881491"/>
+            <a:ext cx="3931725" cy="22011921"/>
           </a:xfrm>
         </p:spPr>
         <p:txBody>
@@ -2645,39 +2645,39 @@
           <a:lstStyle>
             <a:lvl1pPr marL="0" indent="0">
               <a:buNone/>
-              <a:defRPr sz="2133"/>
+              <a:defRPr sz="2600"/>
             </a:lvl1pPr>
-            <a:lvl2pPr marL="609615" indent="0">
+            <a:lvl2pPr marL="754947" indent="0">
               <a:buNone/>
-              <a:defRPr sz="1867"/>
+              <a:defRPr sz="2300"/>
             </a:lvl2pPr>
-            <a:lvl3pPr marL="1219230" indent="0">
+            <a:lvl3pPr marL="1509894" indent="0">
               <a:buNone/>
-              <a:defRPr sz="1600"/>
+              <a:defRPr sz="2000"/>
             </a:lvl3pPr>
-            <a:lvl4pPr marL="1828844" indent="0">
+            <a:lvl4pPr marL="2264840" indent="0">
               <a:buNone/>
-              <a:defRPr sz="1334"/>
+              <a:defRPr sz="1700"/>
             </a:lvl4pPr>
-            <a:lvl5pPr marL="2438458" indent="0">
+            <a:lvl5pPr marL="3019786" indent="0">
               <a:buNone/>
-              <a:defRPr sz="1334"/>
+              <a:defRPr sz="1700"/>
             </a:lvl5pPr>
-            <a:lvl6pPr marL="3048073" indent="0">
+            <a:lvl6pPr marL="3774734" indent="0">
               <a:buNone/>
-              <a:defRPr sz="1334"/>
+              <a:defRPr sz="1700"/>
             </a:lvl6pPr>
-            <a:lvl7pPr marL="3657688" indent="0">
+            <a:lvl7pPr marL="4529681" indent="0">
               <a:buNone/>
-              <a:defRPr sz="1334"/>
+              <a:defRPr sz="1700"/>
             </a:lvl7pPr>
-            <a:lvl8pPr marL="4267302" indent="0">
+            <a:lvl8pPr marL="5284627" indent="0">
               <a:buNone/>
-              <a:defRPr sz="1334"/>
+              <a:defRPr sz="1700"/>
             </a:lvl8pPr>
-            <a:lvl9pPr marL="4876917" indent="0">
+            <a:lvl9pPr marL="6039574" indent="0">
               <a:buNone/>
-              <a:defRPr sz="1334"/>
+              <a:defRPr sz="1700"/>
             </a:lvl9pPr>
           </a:lstStyle>
           <a:p>
@@ -2706,7 +2706,7 @@
           <a:p>
             <a:fld id="{00DD968C-18A9-4288-B339-3605DF27355E}" type="datetimeFigureOut">
               <a:rPr lang="en-SG" smtClean="0"/>
-              <a:t>17/12/2020</a:t>
+              <a:t>8/4/2021</a:t>
             </a:fld>
             <a:endParaRPr lang="en-SG"/>
           </a:p>
@@ -2801,15 +2801,15 @@
         </p:nvSpPr>
         <p:spPr>
           <a:xfrm>
-            <a:off x="838200" y="1363140"/>
-            <a:ext cx="10515600" cy="4948769"/>
+            <a:off x="838096" y="2108613"/>
+            <a:ext cx="10514232" cy="7655129"/>
           </a:xfrm>
           <a:prstGeom prst="rect">
             <a:avLst/>
           </a:prstGeom>
         </p:spPr>
         <p:txBody>
-          <a:bodyPr vert="horz" lIns="91440" tIns="45720" rIns="91440" bIns="45720" rtlCol="0" anchor="ctr">
+          <a:bodyPr vert="horz" lIns="113239" tIns="56620" rIns="113239" bIns="56620" rtlCol="0" anchor="ctr">
             <a:normAutofit/>
           </a:bodyPr>
           <a:lstStyle/>
@@ -2834,15 +2834,15 @@
         </p:nvSpPr>
         <p:spPr>
           <a:xfrm>
-            <a:off x="838200" y="6815668"/>
-            <a:ext cx="10515600" cy="16244995"/>
+            <a:off x="838096" y="10542988"/>
+            <a:ext cx="10514232" cy="25128976"/>
           </a:xfrm>
           <a:prstGeom prst="rect">
             <a:avLst/>
           </a:prstGeom>
         </p:spPr>
         <p:txBody>
-          <a:bodyPr vert="horz" lIns="91440" tIns="45720" rIns="91440" bIns="45720" rtlCol="0">
+          <a:bodyPr vert="horz" lIns="113239" tIns="56620" rIns="113239" bIns="56620" rtlCol="0">
             <a:normAutofit/>
           </a:bodyPr>
           <a:lstStyle/>
@@ -2896,18 +2896,18 @@
         </p:nvSpPr>
         <p:spPr>
           <a:xfrm>
-            <a:off x="838200" y="23730380"/>
-            <a:ext cx="2743200" cy="1363133"/>
+            <a:off x="838100" y="36707934"/>
+            <a:ext cx="2742843" cy="2108597"/>
           </a:xfrm>
           <a:prstGeom prst="rect">
             <a:avLst/>
           </a:prstGeom>
         </p:spPr>
         <p:txBody>
-          <a:bodyPr vert="horz" lIns="91440" tIns="45720" rIns="91440" bIns="45720" rtlCol="0" anchor="ctr"/>
+          <a:bodyPr vert="horz" lIns="113239" tIns="56620" rIns="113239" bIns="56620" rtlCol="0" anchor="ctr"/>
           <a:lstStyle>
             <a:lvl1pPr algn="l">
-              <a:defRPr sz="1600">
+              <a:defRPr sz="2000">
                 <a:solidFill>
                   <a:schemeClr val="tx1">
                     <a:tint val="75000"/>
@@ -2919,7 +2919,7 @@
           <a:p>
             <a:fld id="{00DD968C-18A9-4288-B339-3605DF27355E}" type="datetimeFigureOut">
               <a:rPr lang="en-SG" smtClean="0"/>
-              <a:t>17/12/2020</a:t>
+              <a:t>8/4/2021</a:t>
             </a:fld>
             <a:endParaRPr lang="en-SG"/>
           </a:p>
@@ -2937,18 +2937,18 @@
         </p:nvSpPr>
         <p:spPr>
           <a:xfrm>
-            <a:off x="4038600" y="23730380"/>
-            <a:ext cx="4114800" cy="1363133"/>
+            <a:off x="4038079" y="36707934"/>
+            <a:ext cx="4114265" cy="2108597"/>
           </a:xfrm>
           <a:prstGeom prst="rect">
             <a:avLst/>
           </a:prstGeom>
         </p:spPr>
         <p:txBody>
-          <a:bodyPr vert="horz" lIns="91440" tIns="45720" rIns="91440" bIns="45720" rtlCol="0" anchor="ctr"/>
+          <a:bodyPr vert="horz" lIns="113239" tIns="56620" rIns="113239" bIns="56620" rtlCol="0" anchor="ctr"/>
           <a:lstStyle>
             <a:lvl1pPr algn="ctr">
-              <a:defRPr sz="1600">
+              <a:defRPr sz="2000">
                 <a:solidFill>
                   <a:schemeClr val="tx1">
                     <a:tint val="75000"/>
@@ -2974,18 +2974,18 @@
         </p:nvSpPr>
         <p:spPr>
           <a:xfrm>
-            <a:off x="8610600" y="23730380"/>
-            <a:ext cx="2743200" cy="1363133"/>
+            <a:off x="8609488" y="36707934"/>
+            <a:ext cx="2742843" cy="2108597"/>
           </a:xfrm>
           <a:prstGeom prst="rect">
             <a:avLst/>
           </a:prstGeom>
         </p:spPr>
         <p:txBody>
-          <a:bodyPr vert="horz" lIns="91440" tIns="45720" rIns="91440" bIns="45720" rtlCol="0" anchor="ctr"/>
+          <a:bodyPr vert="horz" lIns="113239" tIns="56620" rIns="113239" bIns="56620" rtlCol="0" anchor="ctr"/>
           <a:lstStyle>
             <a:lvl1pPr algn="r">
-              <a:defRPr sz="1600">
+              <a:defRPr sz="2000">
                 <a:solidFill>
                   <a:schemeClr val="tx1">
                     <a:tint val="75000"/>
@@ -3026,7 +3026,7 @@
   </p:sldLayoutIdLst>
   <p:txStyles>
     <p:titleStyle>
-      <a:lvl1pPr algn="l" defTabSz="1219230" rtl="0" eaLnBrk="1" latinLnBrk="0" hangingPunct="1">
+      <a:lvl1pPr algn="l" defTabSz="1509894" rtl="0" eaLnBrk="1" latinLnBrk="0" hangingPunct="1">
         <a:lnSpc>
           <a:spcPct val="90000"/>
         </a:lnSpc>
@@ -3034,7 +3034,7 @@
           <a:spcPct val="0"/>
         </a:spcBef>
         <a:buNone/>
-        <a:defRPr sz="5867" kern="1200">
+        <a:defRPr sz="7300" kern="1200">
           <a:solidFill>
             <a:schemeClr val="tx1"/>
           </a:solidFill>
@@ -3045,16 +3045,16 @@
       </a:lvl1pPr>
     </p:titleStyle>
     <p:bodyStyle>
-      <a:lvl1pPr marL="304807" indent="-304807" algn="l" defTabSz="1219230" rtl="0" eaLnBrk="1" latinLnBrk="0" hangingPunct="1">
+      <a:lvl1pPr marL="377473" indent="-377473" algn="l" defTabSz="1509894" rtl="0" eaLnBrk="1" latinLnBrk="0" hangingPunct="1">
         <a:lnSpc>
           <a:spcPct val="90000"/>
         </a:lnSpc>
         <a:spcBef>
-          <a:spcPts val="1334"/>
+          <a:spcPts val="1652"/>
         </a:spcBef>
         <a:buFont typeface="Arial" panose="020B0604020202020204" pitchFamily="34" charset="0"/>
         <a:buChar char="•"/>
-        <a:defRPr sz="3733" kern="1200">
+        <a:defRPr sz="4600" kern="1200">
           <a:solidFill>
             <a:schemeClr val="tx1"/>
           </a:solidFill>
@@ -3063,16 +3063,16 @@
           <a:cs typeface="+mn-cs"/>
         </a:defRPr>
       </a:lvl1pPr>
-      <a:lvl2pPr marL="914422" indent="-304807" algn="l" defTabSz="1219230" rtl="0" eaLnBrk="1" latinLnBrk="0" hangingPunct="1">
+      <a:lvl2pPr marL="1132420" indent="-377473" algn="l" defTabSz="1509894" rtl="0" eaLnBrk="1" latinLnBrk="0" hangingPunct="1">
         <a:lnSpc>
           <a:spcPct val="90000"/>
         </a:lnSpc>
         <a:spcBef>
-          <a:spcPts val="667"/>
+          <a:spcPts val="826"/>
         </a:spcBef>
         <a:buFont typeface="Arial" panose="020B0604020202020204" pitchFamily="34" charset="0"/>
         <a:buChar char="•"/>
-        <a:defRPr sz="3200" kern="1200">
+        <a:defRPr sz="4000" kern="1200">
           <a:solidFill>
             <a:schemeClr val="tx1"/>
           </a:solidFill>
@@ -3081,16 +3081,16 @@
           <a:cs typeface="+mn-cs"/>
         </a:defRPr>
       </a:lvl2pPr>
-      <a:lvl3pPr marL="1524037" indent="-304807" algn="l" defTabSz="1219230" rtl="0" eaLnBrk="1" latinLnBrk="0" hangingPunct="1">
+      <a:lvl3pPr marL="1887367" indent="-377473" algn="l" defTabSz="1509894" rtl="0" eaLnBrk="1" latinLnBrk="0" hangingPunct="1">
         <a:lnSpc>
           <a:spcPct val="90000"/>
         </a:lnSpc>
         <a:spcBef>
-          <a:spcPts val="667"/>
+          <a:spcPts val="826"/>
         </a:spcBef>
         <a:buFont typeface="Arial" panose="020B0604020202020204" pitchFamily="34" charset="0"/>
         <a:buChar char="•"/>
-        <a:defRPr sz="2667" kern="1200">
+        <a:defRPr sz="3300" kern="1200">
           <a:solidFill>
             <a:schemeClr val="tx1"/>
           </a:solidFill>
@@ -3099,16 +3099,16 @@
           <a:cs typeface="+mn-cs"/>
         </a:defRPr>
       </a:lvl3pPr>
-      <a:lvl4pPr marL="2133651" indent="-304807" algn="l" defTabSz="1219230" rtl="0" eaLnBrk="1" latinLnBrk="0" hangingPunct="1">
+      <a:lvl4pPr marL="2642313" indent="-377473" algn="l" defTabSz="1509894" rtl="0" eaLnBrk="1" latinLnBrk="0" hangingPunct="1">
         <a:lnSpc>
           <a:spcPct val="90000"/>
         </a:lnSpc>
         <a:spcBef>
-          <a:spcPts val="667"/>
+          <a:spcPts val="826"/>
         </a:spcBef>
         <a:buFont typeface="Arial" panose="020B0604020202020204" pitchFamily="34" charset="0"/>
         <a:buChar char="•"/>
-        <a:defRPr sz="2400" kern="1200">
+        <a:defRPr sz="3000" kern="1200">
           <a:solidFill>
             <a:schemeClr val="tx1"/>
           </a:solidFill>
@@ -3117,16 +3117,16 @@
           <a:cs typeface="+mn-cs"/>
         </a:defRPr>
       </a:lvl4pPr>
-      <a:lvl5pPr marL="2743265" indent="-304807" algn="l" defTabSz="1219230" rtl="0" eaLnBrk="1" latinLnBrk="0" hangingPunct="1">
+      <a:lvl5pPr marL="3397259" indent="-377473" algn="l" defTabSz="1509894" rtl="0" eaLnBrk="1" latinLnBrk="0" hangingPunct="1">
         <a:lnSpc>
           <a:spcPct val="90000"/>
         </a:lnSpc>
         <a:spcBef>
-          <a:spcPts val="667"/>
+          <a:spcPts val="826"/>
         </a:spcBef>
         <a:buFont typeface="Arial" panose="020B0604020202020204" pitchFamily="34" charset="0"/>
         <a:buChar char="•"/>
-        <a:defRPr sz="2400" kern="1200">
+        <a:defRPr sz="3000" kern="1200">
           <a:solidFill>
             <a:schemeClr val="tx1"/>
           </a:solidFill>
@@ -3135,16 +3135,16 @@
           <a:cs typeface="+mn-cs"/>
         </a:defRPr>
       </a:lvl5pPr>
-      <a:lvl6pPr marL="3352880" indent="-304807" algn="l" defTabSz="1219230" rtl="0" eaLnBrk="1" latinLnBrk="0" hangingPunct="1">
+      <a:lvl6pPr marL="4152207" indent="-377473" algn="l" defTabSz="1509894" rtl="0" eaLnBrk="1" latinLnBrk="0" hangingPunct="1">
         <a:lnSpc>
           <a:spcPct val="90000"/>
         </a:lnSpc>
         <a:spcBef>
-          <a:spcPts val="667"/>
+          <a:spcPts val="826"/>
         </a:spcBef>
         <a:buFont typeface="Arial" panose="020B0604020202020204" pitchFamily="34" charset="0"/>
         <a:buChar char="•"/>
-        <a:defRPr sz="2400" kern="1200">
+        <a:defRPr sz="3000" kern="1200">
           <a:solidFill>
             <a:schemeClr val="tx1"/>
           </a:solidFill>
@@ -3153,16 +3153,16 @@
           <a:cs typeface="+mn-cs"/>
         </a:defRPr>
       </a:lvl6pPr>
-      <a:lvl7pPr marL="3962495" indent="-304807" algn="l" defTabSz="1219230" rtl="0" eaLnBrk="1" latinLnBrk="0" hangingPunct="1">
+      <a:lvl7pPr marL="4907154" indent="-377473" algn="l" defTabSz="1509894" rtl="0" eaLnBrk="1" latinLnBrk="0" hangingPunct="1">
         <a:lnSpc>
           <a:spcPct val="90000"/>
         </a:lnSpc>
         <a:spcBef>
-          <a:spcPts val="667"/>
+          <a:spcPts val="826"/>
         </a:spcBef>
         <a:buFont typeface="Arial" panose="020B0604020202020204" pitchFamily="34" charset="0"/>
         <a:buChar char="•"/>
-        <a:defRPr sz="2400" kern="1200">
+        <a:defRPr sz="3000" kern="1200">
           <a:solidFill>
             <a:schemeClr val="tx1"/>
           </a:solidFill>
@@ -3171,16 +3171,16 @@
           <a:cs typeface="+mn-cs"/>
         </a:defRPr>
       </a:lvl7pPr>
-      <a:lvl8pPr marL="4572110" indent="-304807" algn="l" defTabSz="1219230" rtl="0" eaLnBrk="1" latinLnBrk="0" hangingPunct="1">
+      <a:lvl8pPr marL="5662101" indent="-377473" algn="l" defTabSz="1509894" rtl="0" eaLnBrk="1" latinLnBrk="0" hangingPunct="1">
         <a:lnSpc>
           <a:spcPct val="90000"/>
         </a:lnSpc>
         <a:spcBef>
-          <a:spcPts val="667"/>
+          <a:spcPts val="826"/>
         </a:spcBef>
         <a:buFont typeface="Arial" panose="020B0604020202020204" pitchFamily="34" charset="0"/>
         <a:buChar char="•"/>
-        <a:defRPr sz="2400" kern="1200">
+        <a:defRPr sz="3000" kern="1200">
           <a:solidFill>
             <a:schemeClr val="tx1"/>
           </a:solidFill>
@@ -3189,16 +3189,16 @@
           <a:cs typeface="+mn-cs"/>
         </a:defRPr>
       </a:lvl8pPr>
-      <a:lvl9pPr marL="5181724" indent="-304807" algn="l" defTabSz="1219230" rtl="0" eaLnBrk="1" latinLnBrk="0" hangingPunct="1">
+      <a:lvl9pPr marL="6417047" indent="-377473" algn="l" defTabSz="1509894" rtl="0" eaLnBrk="1" latinLnBrk="0" hangingPunct="1">
         <a:lnSpc>
           <a:spcPct val="90000"/>
         </a:lnSpc>
         <a:spcBef>
-          <a:spcPts val="667"/>
+          <a:spcPts val="826"/>
         </a:spcBef>
         <a:buFont typeface="Arial" panose="020B0604020202020204" pitchFamily="34" charset="0"/>
         <a:buChar char="•"/>
-        <a:defRPr sz="2400" kern="1200">
+        <a:defRPr sz="3000" kern="1200">
           <a:solidFill>
             <a:schemeClr val="tx1"/>
           </a:solidFill>
@@ -3212,8 +3212,8 @@
       <a:defPPr>
         <a:defRPr lang="en-US"/>
       </a:defPPr>
-      <a:lvl1pPr marL="0" algn="l" defTabSz="1219230" rtl="0" eaLnBrk="1" latinLnBrk="0" hangingPunct="1">
-        <a:defRPr sz="2400" kern="1200">
+      <a:lvl1pPr marL="0" algn="l" defTabSz="1509894" rtl="0" eaLnBrk="1" latinLnBrk="0" hangingPunct="1">
+        <a:defRPr sz="3000" kern="1200">
           <a:solidFill>
             <a:schemeClr val="tx1"/>
           </a:solidFill>
@@ -3222,8 +3222,8 @@
           <a:cs typeface="+mn-cs"/>
         </a:defRPr>
       </a:lvl1pPr>
-      <a:lvl2pPr marL="609615" algn="l" defTabSz="1219230" rtl="0" eaLnBrk="1" latinLnBrk="0" hangingPunct="1">
-        <a:defRPr sz="2400" kern="1200">
+      <a:lvl2pPr marL="754947" algn="l" defTabSz="1509894" rtl="0" eaLnBrk="1" latinLnBrk="0" hangingPunct="1">
+        <a:defRPr sz="3000" kern="1200">
           <a:solidFill>
             <a:schemeClr val="tx1"/>
           </a:solidFill>
@@ -3232,8 +3232,8 @@
           <a:cs typeface="+mn-cs"/>
         </a:defRPr>
       </a:lvl2pPr>
-      <a:lvl3pPr marL="1219230" algn="l" defTabSz="1219230" rtl="0" eaLnBrk="1" latinLnBrk="0" hangingPunct="1">
-        <a:defRPr sz="2400" kern="1200">
+      <a:lvl3pPr marL="1509894" algn="l" defTabSz="1509894" rtl="0" eaLnBrk="1" latinLnBrk="0" hangingPunct="1">
+        <a:defRPr sz="3000" kern="1200">
           <a:solidFill>
             <a:schemeClr val="tx1"/>
           </a:solidFill>
@@ -3242,8 +3242,8 @@
           <a:cs typeface="+mn-cs"/>
         </a:defRPr>
       </a:lvl3pPr>
-      <a:lvl4pPr marL="1828844" algn="l" defTabSz="1219230" rtl="0" eaLnBrk="1" latinLnBrk="0" hangingPunct="1">
-        <a:defRPr sz="2400" kern="1200">
+      <a:lvl4pPr marL="2264840" algn="l" defTabSz="1509894" rtl="0" eaLnBrk="1" latinLnBrk="0" hangingPunct="1">
+        <a:defRPr sz="3000" kern="1200">
           <a:solidFill>
             <a:schemeClr val="tx1"/>
           </a:solidFill>
@@ -3252,8 +3252,8 @@
           <a:cs typeface="+mn-cs"/>
         </a:defRPr>
       </a:lvl4pPr>
-      <a:lvl5pPr marL="2438458" algn="l" defTabSz="1219230" rtl="0" eaLnBrk="1" latinLnBrk="0" hangingPunct="1">
-        <a:defRPr sz="2400" kern="1200">
+      <a:lvl5pPr marL="3019786" algn="l" defTabSz="1509894" rtl="0" eaLnBrk="1" latinLnBrk="0" hangingPunct="1">
+        <a:defRPr sz="3000" kern="1200">
           <a:solidFill>
             <a:schemeClr val="tx1"/>
           </a:solidFill>
@@ -3262,8 +3262,8 @@
           <a:cs typeface="+mn-cs"/>
         </a:defRPr>
       </a:lvl5pPr>
-      <a:lvl6pPr marL="3048073" algn="l" defTabSz="1219230" rtl="0" eaLnBrk="1" latinLnBrk="0" hangingPunct="1">
-        <a:defRPr sz="2400" kern="1200">
+      <a:lvl6pPr marL="3774734" algn="l" defTabSz="1509894" rtl="0" eaLnBrk="1" latinLnBrk="0" hangingPunct="1">
+        <a:defRPr sz="3000" kern="1200">
           <a:solidFill>
             <a:schemeClr val="tx1"/>
           </a:solidFill>
@@ -3272,8 +3272,8 @@
           <a:cs typeface="+mn-cs"/>
         </a:defRPr>
       </a:lvl6pPr>
-      <a:lvl7pPr marL="3657688" algn="l" defTabSz="1219230" rtl="0" eaLnBrk="1" latinLnBrk="0" hangingPunct="1">
-        <a:defRPr sz="2400" kern="1200">
+      <a:lvl7pPr marL="4529681" algn="l" defTabSz="1509894" rtl="0" eaLnBrk="1" latinLnBrk="0" hangingPunct="1">
+        <a:defRPr sz="3000" kern="1200">
           <a:solidFill>
             <a:schemeClr val="tx1"/>
           </a:solidFill>
@@ -3282,8 +3282,8 @@
           <a:cs typeface="+mn-cs"/>
         </a:defRPr>
       </a:lvl7pPr>
-      <a:lvl8pPr marL="4267302" algn="l" defTabSz="1219230" rtl="0" eaLnBrk="1" latinLnBrk="0" hangingPunct="1">
-        <a:defRPr sz="2400" kern="1200">
+      <a:lvl8pPr marL="5284627" algn="l" defTabSz="1509894" rtl="0" eaLnBrk="1" latinLnBrk="0" hangingPunct="1">
+        <a:defRPr sz="3000" kern="1200">
           <a:solidFill>
             <a:schemeClr val="tx1"/>
           </a:solidFill>
@@ -3292,8 +3292,8 @@
           <a:cs typeface="+mn-cs"/>
         </a:defRPr>
       </a:lvl8pPr>
-      <a:lvl9pPr marL="4876917" algn="l" defTabSz="1219230" rtl="0" eaLnBrk="1" latinLnBrk="0" hangingPunct="1">
-        <a:defRPr sz="2400" kern="1200">
+      <a:lvl9pPr marL="6039574" algn="l" defTabSz="1509894" rtl="0" eaLnBrk="1" latinLnBrk="0" hangingPunct="1">
+        <a:defRPr sz="3000" kern="1200">
           <a:solidFill>
             <a:schemeClr val="tx1"/>
           </a:solidFill>
@@ -3333,42 +3333,42 @@
           <p:nvPr>
             <p:extLst>
               <p:ext uri="{D42A27DB-BD31-4B8C-83A1-F6EECF244321}">
-                <p14:modId xmlns:p14="http://schemas.microsoft.com/office/powerpoint/2010/main" val="3919253895"/>
+                <p14:modId xmlns:p14="http://schemas.microsoft.com/office/powerpoint/2010/main" val="1319665971"/>
               </p:ext>
             </p:extLst>
           </p:nvPr>
         </p:nvGraphicFramePr>
         <p:xfrm>
-          <a:off x="229353" y="474781"/>
-          <a:ext cx="11733306" cy="24943373"/>
+          <a:off x="229321" y="539984"/>
+          <a:ext cx="11731779" cy="38874909"/>
         </p:xfrm>
         <a:graphic>
           <a:graphicData uri="http://schemas.openxmlformats.org/drawingml/2006/table">
             <a:tbl>
               <a:tblPr firstRow="1" bandRow="1"/>
               <a:tblGrid>
-                <a:gridCol w="634486">
+                <a:gridCol w="634404">
                   <a:extLst>
                     <a:ext uri="{9D8B030D-6E8A-4147-A177-3AD203B41FA5}">
                       <a16:colId xmlns:a16="http://schemas.microsoft.com/office/drawing/2014/main" xmlns="" val="2075240424"/>
                     </a:ext>
                   </a:extLst>
                 </a:gridCol>
-                <a:gridCol w="4399472">
+                <a:gridCol w="4398899">
                   <a:extLst>
                     <a:ext uri="{9D8B030D-6E8A-4147-A177-3AD203B41FA5}">
                       <a16:colId xmlns:a16="http://schemas.microsoft.com/office/drawing/2014/main" xmlns="" val="1645367786"/>
                     </a:ext>
                   </a:extLst>
                 </a:gridCol>
-                <a:gridCol w="3830128">
+                <a:gridCol w="3829630">
                   <a:extLst>
                     <a:ext uri="{9D8B030D-6E8A-4147-A177-3AD203B41FA5}">
                       <a16:colId xmlns:a16="http://schemas.microsoft.com/office/drawing/2014/main" xmlns="" val="1011061901"/>
                     </a:ext>
                   </a:extLst>
                 </a:gridCol>
-                <a:gridCol w="2869220">
+                <a:gridCol w="2868846">
                   <a:extLst>
                     <a:ext uri="{9D8B030D-6E8A-4147-A177-3AD203B41FA5}">
                       <a16:colId xmlns:a16="http://schemas.microsoft.com/office/drawing/2014/main" xmlns="" val="1135896582"/>
@@ -3376,7 +3376,7 @@
                   </a:extLst>
                 </a:gridCol>
               </a:tblGrid>
-              <a:tr h="393500">
+              <a:tr h="870894">
                 <a:tc>
                   <a:txBody>
                     <a:bodyPr/>
@@ -3462,7 +3462,7 @@
                       <a:endParaRPr lang="en-SG" sz="2000" dirty="0"/>
                     </a:p>
                   </a:txBody>
-                  <a:tcPr anchor="ctr">
+                  <a:tcPr marL="91428" marR="91428" marT="70721" marB="70721" anchor="ctr">
                     <a:lnL w="12700" cmpd="sng">
                       <a:solidFill>
                         <a:sysClr val="window" lastClr="FFFFFF"/>
@@ -3580,7 +3580,7 @@
                       </a:r>
                     </a:p>
                   </a:txBody>
-                  <a:tcPr anchor="ctr">
+                  <a:tcPr marL="91428" marR="91428" marT="70721" marB="70721" anchor="ctr">
                     <a:lnL w="12700" cmpd="sng">
                       <a:solidFill>
                         <a:sysClr val="window" lastClr="FFFFFF"/>
@@ -3698,7 +3698,7 @@
                       </a:r>
                     </a:p>
                   </a:txBody>
-                  <a:tcPr anchor="ctr">
+                  <a:tcPr marL="91428" marR="91428" marT="70721" marB="70721" anchor="ctr">
                     <a:lnL w="12700" cmpd="sng">
                       <a:solidFill>
                         <a:sysClr val="window" lastClr="FFFFFF"/>
@@ -3816,7 +3816,7 @@
                       </a:r>
                     </a:p>
                   </a:txBody>
-                  <a:tcPr anchor="ctr">
+                  <a:tcPr marL="91428" marR="91428" marT="70721" marB="70721" anchor="ctr">
                     <a:lnL w="12700" cmpd="sng">
                       <a:solidFill>
                         <a:sysClr val="window" lastClr="FFFFFF"/>
@@ -3856,7 +3856,7 @@
                   </a:ext>
                 </a:extLst>
               </a:tr>
-              <a:tr h="6479343">
+              <a:tr h="5556582">
                 <a:tc>
                   <a:txBody>
                     <a:bodyPr/>
@@ -3943,7 +3943,7 @@
                       <a:endParaRPr lang="en-SG" sz="2000" dirty="0"/>
                     </a:p>
                   </a:txBody>
-                  <a:tcPr>
+                  <a:tcPr marL="91428" marR="91428" marT="70721" marB="70721">
                     <a:lnL w="12700" cmpd="sng">
                       <a:solidFill>
                         <a:sysClr val="window" lastClr="FFFFFF"/>
@@ -4062,7 +4062,7 @@
                         <a:buNone/>
                       </a:pPr>
                       <a:r>
-                        <a:rPr lang="en-US" sz="2000" b="1" baseline="0" dirty="0"/>
+                        <a:rPr lang="en-US" sz="2000" b="1" u="sng" baseline="0" dirty="0"/>
                         <a:t>Duty to notify Registrar of change in particulars </a:t>
                       </a:r>
                     </a:p>
@@ -4118,8 +4118,21 @@
                       </a:pPr>
                       <a:r>
                         <a:rPr lang="en-US" sz="2000" baseline="0" dirty="0"/>
-                        <a:t>Change of organization details</a:t>
-                      </a:r>
+                        <a:t>Change of </a:t>
+                      </a:r>
+                      <a:r>
+                        <a:rPr lang="en-US" sz="2000" baseline="0" dirty="0" smtClean="0"/>
+                        <a:t>Organization </a:t>
+                      </a:r>
+                      <a:r>
+                        <a:rPr lang="en-US" sz="2000" baseline="0" dirty="0"/>
+                        <a:t>D</a:t>
+                      </a:r>
+                      <a:r>
+                        <a:rPr lang="en-US" sz="2000" baseline="0" dirty="0" smtClean="0"/>
+                        <a:t>etails</a:t>
+                      </a:r>
+                      <a:endParaRPr lang="en-US" sz="2000" baseline="0" dirty="0"/>
                     </a:p>
                     <a:p>
                       <a:pPr marL="400050" indent="-400050">
@@ -4128,8 +4141,21 @@
                       </a:pPr>
                       <a:r>
                         <a:rPr lang="en-US" sz="2000" baseline="0" dirty="0"/>
-                        <a:t>Change of organization registered address</a:t>
-                      </a:r>
+                        <a:t>Change of O</a:t>
+                      </a:r>
+                      <a:r>
+                        <a:rPr lang="en-US" sz="2000" baseline="0" dirty="0" smtClean="0"/>
+                        <a:t>rganization Registered </a:t>
+                      </a:r>
+                      <a:r>
+                        <a:rPr lang="en-US" sz="2000" baseline="0" dirty="0"/>
+                        <a:t>A</a:t>
+                      </a:r>
+                      <a:r>
+                        <a:rPr lang="en-US" sz="2000" baseline="0" dirty="0" smtClean="0"/>
+                        <a:t>ddress</a:t>
+                      </a:r>
+                      <a:endParaRPr lang="en-US" sz="2000" baseline="0" dirty="0"/>
                     </a:p>
                     <a:p>
                       <a:pPr marL="400050" indent="-400050">
@@ -4153,7 +4179,7 @@
                       <a:endParaRPr lang="en-SG" sz="2000" baseline="0" dirty="0"/>
                     </a:p>
                   </a:txBody>
-                  <a:tcPr>
+                  <a:tcPr marL="91428" marR="91428" marT="70721" marB="70721">
                     <a:lnL w="12700" cmpd="sng">
                       <a:solidFill>
                         <a:sysClr val="window" lastClr="FFFFFF"/>
@@ -4268,60 +4294,15 @@
                     </a:lstStyle>
                     <a:p>
                       <a:r>
-                        <a:rPr lang="en-US" sz="2000" b="1" u="sng" dirty="0">
+                        <a:rPr lang="en-US" sz="2000" b="1" u="sng" baseline="0" dirty="0" smtClean="0">
                           <a:solidFill>
                             <a:schemeClr val="accent4">
                               <a:lumMod val="50000"/>
                             </a:schemeClr>
                           </a:solidFill>
                         </a:rPr>
-                        <a:t>Step 1:</a:t>
-                      </a:r>
-                    </a:p>
-                    <a:p>
-                      <a:r>
-                        <a:rPr lang="en-US" sz="2000" dirty="0"/>
-                        <a:t>Notify </a:t>
-                      </a:r>
-                      <a:r>
-                        <a:rPr lang="en-US" sz="2000" b="0" dirty="0"/>
-                        <a:t>Registrar via </a:t>
-                      </a:r>
-                      <a:r>
-                        <a:rPr lang="en-US" sz="2000" b="1" dirty="0"/>
-                        <a:t>“Notification of Change of Particulars and Circumstances” form </a:t>
-                      </a:r>
-                      <a:r>
-                        <a:rPr lang="en-US" sz="2000" dirty="0"/>
-                        <a:t>(</a:t>
-                      </a:r>
-                      <a:r>
-                        <a:rPr lang="en-US" sz="2000" dirty="0">
-                          <a:hlinkClick r:id="rId2"/>
-                        </a:rPr>
-                        <a:t>https://go.gov.sg/notify-acd</a:t>
-                      </a:r>
-                      <a:r>
-                        <a:rPr lang="en-US" sz="2000" dirty="0"/>
-                        <a:t>)</a:t>
-                      </a:r>
-                      <a:r>
-                        <a:rPr lang="en-US" sz="2000" baseline="0" dirty="0"/>
-                        <a:t> </a:t>
-                      </a:r>
-                      <a:r>
-                        <a:rPr lang="en-US" sz="2000" b="1" baseline="0" dirty="0"/>
-                        <a:t>at least 14 days before </a:t>
-                      </a:r>
-                      <a:r>
-                        <a:rPr lang="en-US" sz="2000" baseline="0" dirty="0"/>
-                        <a:t>the matter occurs.</a:t>
-                      </a:r>
-                    </a:p>
-                    <a:p>
-                      <a:endParaRPr lang="en-US" sz="2000" baseline="0" dirty="0"/>
-                    </a:p>
-                    <a:p>
+                        <a:t>Step </a:t>
+                      </a:r>
                       <a:r>
                         <a:rPr lang="en-US" sz="2000" b="1" u="sng" baseline="0" dirty="0">
                           <a:solidFill>
@@ -4330,21 +4311,30 @@
                             </a:schemeClr>
                           </a:solidFill>
                         </a:rPr>
-                        <a:t>Step 2:</a:t>
-                      </a:r>
+                        <a:t>1</a:t>
+                      </a:r>
+                      <a:r>
+                        <a:rPr lang="en-US" sz="2000" b="1" u="sng" baseline="0" dirty="0" smtClean="0">
+                          <a:solidFill>
+                            <a:schemeClr val="accent4">
+                              <a:lumMod val="50000"/>
+                            </a:schemeClr>
+                          </a:solidFill>
+                        </a:rPr>
+                        <a:t>:</a:t>
+                      </a:r>
+                      <a:endParaRPr lang="en-US" sz="2000" b="1" u="sng" baseline="0" dirty="0">
+                        <a:solidFill>
+                          <a:schemeClr val="accent4">
+                            <a:lumMod val="50000"/>
+                          </a:schemeClr>
+                        </a:solidFill>
+                      </a:endParaRPr>
                     </a:p>
                     <a:p>
                       <a:r>
                         <a:rPr lang="en-US" sz="2000" baseline="0" dirty="0"/>
-                        <a:t>Make the changes with </a:t>
-                      </a:r>
-                      <a:r>
-                        <a:rPr lang="en-US" sz="2000" baseline="0"/>
-                        <a:t>the Accounting </a:t>
-                      </a:r>
-                      <a:r>
-                        <a:rPr lang="en-US" sz="2000" baseline="0" dirty="0"/>
-                        <a:t>and Corporate Regulatory Authority (ACRA).</a:t>
+                        <a:t>Make the changes with the Accounting and Corporate Regulatory Authority (ACRA).</a:t>
                       </a:r>
                     </a:p>
                     <a:p>
@@ -4376,38 +4366,69 @@
                             </a:schemeClr>
                           </a:solidFill>
                         </a:rPr>
-                        <a:t>Step 3:</a:t>
-                      </a:r>
+                        <a:t>Step </a:t>
+                      </a:r>
+                      <a:r>
+                        <a:rPr lang="en-US" sz="2000" b="1" u="sng" baseline="0" dirty="0" smtClean="0">
+                          <a:solidFill>
+                            <a:schemeClr val="accent4">
+                              <a:lumMod val="50000"/>
+                            </a:schemeClr>
+                          </a:solidFill>
+                        </a:rPr>
+                        <a:t>2:</a:t>
+                      </a:r>
+                      <a:endParaRPr lang="en-US" sz="2000" b="1" u="sng" baseline="0" dirty="0">
+                        <a:solidFill>
+                          <a:schemeClr val="accent4">
+                            <a:lumMod val="50000"/>
+                          </a:schemeClr>
+                        </a:solidFill>
+                      </a:endParaRPr>
                     </a:p>
                     <a:p>
                       <a:r>
-                        <a:rPr lang="en-US" sz="2000" b="0" baseline="0" dirty="0"/>
-                        <a:t>Submit an amendment application in </a:t>
-                      </a:r>
-                      <a:r>
-                        <a:rPr lang="en-US" sz="2000" b="1" baseline="0" dirty="0"/>
-                        <a:t>GoBusiness Licensing Portal </a:t>
-                      </a:r>
-                      <a:r>
-                        <a:rPr lang="en-US" sz="2000" b="0" baseline="0" dirty="0"/>
-                        <a:t>(</a:t>
-                      </a:r>
-                      <a:r>
-                        <a:rPr lang="en-US" sz="2000" b="0" baseline="0" dirty="0">
-                          <a:hlinkClick r:id="rId3"/>
+                        <a:rPr lang="en-US" sz="2000" b="0" baseline="0" dirty="0" smtClean="0"/>
+                        <a:t>Within 14 days after the matter occurs, submit an amendment application </a:t>
+                      </a:r>
+                      <a:r>
+                        <a:rPr lang="en-US" sz="2000" b="1" baseline="0" dirty="0" smtClean="0"/>
+                        <a:t>in </a:t>
+                      </a:r>
+                      <a:r>
+                        <a:rPr lang="en-US" sz="2000" b="1" baseline="0" dirty="0" err="1" smtClean="0"/>
+                        <a:t>GoBusiness</a:t>
+                      </a:r>
+                      <a:r>
+                        <a:rPr lang="en-US" sz="2000" b="1" baseline="0" dirty="0" smtClean="0"/>
+                        <a:t> Licensing Portal</a:t>
+                      </a:r>
+                      <a:r>
+                        <a:rPr lang="en-US" sz="2000" b="0" baseline="0" dirty="0" smtClean="0"/>
+                        <a:t> (</a:t>
+                      </a:r>
+                      <a:r>
+                        <a:rPr lang="en-US" sz="2000" b="0" baseline="0" dirty="0" smtClean="0">
+                          <a:hlinkClick r:id="rId2"/>
                         </a:rPr>
                         <a:t>https://www.gobusiness.gov.sg/licences</a:t>
                       </a:r>
                       <a:r>
-                        <a:rPr lang="en-US" sz="2000" b="0" baseline="0" dirty="0"/>
-                        <a:t>). The changes in ACRA will be auto populated in the amendment application.</a:t>
-                      </a:r>
-                    </a:p>
-                    <a:p>
+                        <a:rPr lang="en-US" sz="2000" b="0" baseline="0" dirty="0" smtClean="0"/>
+                        <a:t>). Changes made to ACRA records will be auto updated in </a:t>
+                      </a:r>
+                      <a:r>
+                        <a:rPr lang="en-US" sz="2000" b="0" baseline="0" dirty="0" err="1" smtClean="0"/>
+                        <a:t>LicenceOne</a:t>
+                      </a:r>
+                      <a:r>
+                        <a:rPr lang="en-US" sz="2000" b="0" baseline="0" dirty="0" smtClean="0"/>
+                        <a:t>. You only need to confirm that the information is in order to before submitting to the Registrar.</a:t>
+                      </a:r>
                       <a:endParaRPr lang="en-SG" sz="2000" dirty="0"/>
                     </a:p>
                   </a:txBody>
-                  <a:tcPr>
+                  <a:tcPr marL="91428" marR="91428" marT="70721" marB="70721">
                     <a:lnL w="12700" cmpd="sng">
                       <a:solidFill>
                         <a:sysClr val="window" lastClr="FFFFFF"/>
@@ -4522,13 +4543,13 @@
                     </a:lstStyle>
                     <a:p>
                       <a:r>
-                        <a:rPr lang="en-US" sz="2000" dirty="0"/>
+                        <a:rPr lang="en-US" sz="2000" dirty="0" smtClean="0"/>
                         <a:t>No.</a:t>
                       </a:r>
                       <a:endParaRPr lang="en-SG" sz="2000" dirty="0"/>
                     </a:p>
                   </a:txBody>
-                  <a:tcPr>
+                  <a:tcPr marL="91428" marR="91428" marT="70721" marB="70721">
                     <a:lnL w="12700" cmpd="sng">
                       <a:solidFill>
                         <a:sysClr val="window" lastClr="FFFFFF"/>
@@ -4570,7 +4591,7 @@
                   </a:ext>
                 </a:extLst>
               </a:tr>
-              <a:tr h="5898180">
+              <a:tr h="9379271">
                 <a:tc>
                   <a:txBody>
                     <a:bodyPr/>
@@ -4657,7 +4678,7 @@
                       <a:endParaRPr lang="en-SG" sz="2000" dirty="0"/>
                     </a:p>
                   </a:txBody>
-                  <a:tcPr>
+                  <a:tcPr marL="91428" marR="91428" marT="70721" marB="70721">
                     <a:lnL w="12700" cmpd="sng">
                       <a:solidFill>
                         <a:sysClr val="window" lastClr="FFFFFF"/>
@@ -4789,7 +4810,7 @@
                         <a:defRPr/>
                       </a:pPr>
                       <a:r>
-                        <a:rPr lang="en-US" sz="2000" b="1" baseline="0" dirty="0"/>
+                        <a:rPr lang="en-US" sz="2000" b="1" u="sng" baseline="0" dirty="0"/>
                         <a:t>Duty to notify Registrar of change in particulars </a:t>
                       </a:r>
                     </a:p>
@@ -4841,95 +4862,98 @@
                         <a:buFont typeface="+mj-lt"/>
                         <a:buNone/>
                       </a:pPr>
-                      <a:endParaRPr lang="en-US" sz="2000" baseline="0" dirty="0"/>
+                      <a:endParaRPr lang="en-US" sz="2000" baseline="0" dirty="0" smtClean="0"/>
                     </a:p>
                     <a:p>
-                      <a:pPr marL="400050" indent="-400050">
+                      <a:pPr marL="514350" indent="-514350">
                         <a:buFont typeface="+mj-lt"/>
                         <a:buAutoNum type="romanLcPeriod"/>
                       </a:pPr>
                       <a:r>
-                        <a:rPr lang="en-US" sz="2000" baseline="0" dirty="0"/>
-                        <a:t>Change of applicant details</a:t>
+                        <a:rPr lang="en-US" sz="2000" baseline="0" dirty="0" smtClean="0"/>
+                        <a:t>Change of Applicant Details (Only if the registered dealer is an individual) </a:t>
                       </a:r>
                     </a:p>
                     <a:p>
-                      <a:pPr marL="400050" indent="-400050">
+                      <a:pPr marL="514350" indent="-514350">
                         <a:buFont typeface="+mj-lt"/>
-                        <a:buAutoNum type="romanLcPeriod" startAt="2"/>
+                        <a:buAutoNum type="romanLcPeriod"/>
                       </a:pPr>
                       <a:r>
-                        <a:rPr lang="en-US" sz="2000" baseline="0" dirty="0"/>
-                        <a:t>Change of applicant address</a:t>
+                        <a:rPr lang="en-US" sz="2000" baseline="0" dirty="0" smtClean="0"/>
+                        <a:t>Change of Applicant Address (Only if the registered dealer is an individual)</a:t>
                       </a:r>
                     </a:p>
                     <a:p>
-                      <a:pPr marL="400050" indent="-400050">
+                      <a:pPr marL="514350" indent="-514350">
                         <a:buFont typeface="+mj-lt"/>
-                        <a:buAutoNum type="romanLcPeriod" startAt="3"/>
+                        <a:buAutoNum type="romanLcPeriod"/>
                       </a:pPr>
                       <a:r>
-                        <a:rPr lang="en-US" sz="2000" baseline="0" dirty="0"/>
-                        <a:t>Change of organization operating address (primary outlet/headquarter)</a:t>
+                        <a:rPr lang="en-US" sz="2000" baseline="0" dirty="0" smtClean="0"/>
+                        <a:t>Change of Organization Operating Address (Primary outlet/ headquarter)</a:t>
                       </a:r>
                     </a:p>
                     <a:p>
-                      <a:pPr marL="400050" indent="-400050">
+                      <a:pPr marL="514350" indent="-514350">
                         <a:buFont typeface="+mj-lt"/>
-                        <a:buAutoNum type="romanLcPeriod" startAt="4"/>
+                        <a:buAutoNum type="romanLcPeriod"/>
                       </a:pPr>
                       <a:r>
-                        <a:rPr lang="en-US" sz="2000" baseline="0" dirty="0"/>
-                        <a:t>Change of organization contact details</a:t>
+                        <a:rPr lang="en-US" sz="2000" baseline="0" dirty="0" smtClean="0"/>
+                        <a:t>Change of Organization Contact Details</a:t>
                       </a:r>
                     </a:p>
                     <a:p>
-                      <a:pPr marL="400050" indent="-400050">
+                      <a:pPr marL="514350" indent="-514350">
                         <a:buFont typeface="+mj-lt"/>
-                        <a:buAutoNum type="romanLcPeriod" startAt="5"/>
+                        <a:buAutoNum type="romanLcPeriod"/>
                       </a:pPr>
                       <a:r>
-                        <a:rPr lang="en-US" sz="2000" baseline="0" dirty="0"/>
-                        <a:t>Change of mailing address</a:t>
+                        <a:rPr lang="en-US" sz="2000" baseline="0" dirty="0" smtClean="0"/>
+                        <a:t>Change of Mailing Address</a:t>
                       </a:r>
                     </a:p>
                     <a:p>
-                      <a:pPr marL="400050" indent="-400050">
+                      <a:pPr marL="514350" indent="-514350">
                         <a:buFont typeface="+mj-lt"/>
-                        <a:buAutoNum type="romanLcPeriod" startAt="6"/>
+                        <a:buAutoNum type="romanLcPeriod"/>
                       </a:pPr>
                       <a:r>
-                        <a:rPr lang="en-US" sz="2000" baseline="0" dirty="0"/>
-                        <a:t>Change of compliance officer details</a:t>
+                        <a:rPr lang="en-US" sz="2000" baseline="0" dirty="0" smtClean="0"/>
+                        <a:t>Change of Compliance Officer Details</a:t>
                       </a:r>
                     </a:p>
                     <a:p>
-                      <a:pPr marL="400050" indent="-400050">
+                      <a:pPr marL="514350" indent="-514350">
                         <a:buFont typeface="+mj-lt"/>
-                        <a:buAutoNum type="romanLcPeriod" startAt="7"/>
+                        <a:buAutoNum type="romanLcPeriod"/>
                       </a:pPr>
                       <a:r>
-                        <a:rPr lang="en-US" sz="2000" baseline="0" dirty="0"/>
-                        <a:t>Add/Edit outlet manager details</a:t>
+                        <a:rPr lang="en-US" sz="2000" baseline="0" dirty="0" smtClean="0"/>
+                        <a:t>Add/Edit Outlet Manager Details </a:t>
                       </a:r>
                     </a:p>
                     <a:p>
-                      <a:pPr marL="400050" indent="-400050">
+                      <a:pPr marL="514350" indent="-514350">
                         <a:buFont typeface="+mj-lt"/>
-                        <a:buAutoNum type="romanLcPeriod" startAt="8"/>
+                        <a:buAutoNum type="romanLcPeriod"/>
                       </a:pPr>
                       <a:r>
-                        <a:rPr lang="en-US" sz="2000" baseline="0" dirty="0"/>
-                        <a:t>Change of approved PSMD </a:t>
-                      </a:r>
-                      <a:r>
-                        <a:rPr lang="en-US" sz="2000" baseline="0" dirty="0" err="1"/>
-                        <a:t>licence</a:t>
-                      </a:r>
-                      <a:r>
-                        <a:rPr lang="en-US" sz="2000" baseline="0" dirty="0"/>
-                        <a:t>(s), or equivalent, obtained overseas</a:t>
-                      </a:r>
+                        <a:rPr lang="en-US" sz="2000" baseline="0" dirty="0" smtClean="0"/>
+                        <a:t>Change of Approved Precious Stones and Precious Metals Dealers license(s), or equivalent, obtained overseas.</a:t>
+                      </a:r>
+                    </a:p>
+                    <a:p>
+                      <a:pPr marL="514350" indent="-514350">
+                        <a:buFont typeface="+mj-lt"/>
+                        <a:buAutoNum type="romanLcPeriod"/>
+                      </a:pPr>
+                      <a:r>
+                        <a:rPr lang="en-US" sz="2000" baseline="0" dirty="0" smtClean="0"/>
+                        <a:t>Change of Other Information (Includes declarations relating to banking and credit card facilities, criminal investigations, bankruptcy)</a:t>
+                      </a:r>
+                      <a:endParaRPr lang="en-US" sz="2000" baseline="0" dirty="0"/>
                     </a:p>
                     <a:p>
                       <a:pPr marL="0" indent="0">
@@ -4939,7 +4963,7 @@
                       <a:endParaRPr lang="en-US" sz="2000" baseline="0" dirty="0"/>
                     </a:p>
                   </a:txBody>
-                  <a:tcPr>
+                  <a:tcPr marL="91428" marR="91428" marT="70721" marB="70721">
                     <a:lnL w="12700" cmpd="sng">
                       <a:solidFill>
                         <a:sysClr val="window" lastClr="FFFFFF"/>
@@ -5054,102 +5078,44 @@
                     </a:lstStyle>
                     <a:p>
                       <a:r>
-                        <a:rPr lang="en-US" sz="2000" b="1" u="sng" dirty="0">
-                          <a:solidFill>
-                            <a:schemeClr val="accent4">
-                              <a:lumMod val="50000"/>
-                            </a:schemeClr>
-                          </a:solidFill>
+                        <a:rPr lang="en-US" sz="2000" dirty="0" smtClean="0"/>
+                        <a:t>Within 14 days after the matter occurs, submit an amendment application in </a:t>
+                      </a:r>
+                      <a:r>
+                        <a:rPr lang="en-US" sz="2000" b="1" dirty="0" err="1" smtClean="0"/>
+                        <a:t>GoBusiness</a:t>
+                      </a:r>
+                      <a:r>
+                        <a:rPr lang="en-US" sz="2000" b="1" dirty="0" smtClean="0"/>
+                        <a:t> Licensing Portal</a:t>
+                      </a:r>
+                      <a:r>
+                        <a:rPr lang="en-US" sz="2000" dirty="0" smtClean="0"/>
+                        <a:t> (</a:t>
+                      </a:r>
+                      <a:r>
+                        <a:rPr lang="en-US" sz="2000" dirty="0" smtClean="0">
+                          <a:hlinkClick r:id="rId2"/>
                         </a:rPr>
-                        <a:t>Step 1:</a:t>
+                        <a:t>https://www.gobusiness.gov.sg/licences</a:t>
+                      </a:r>
+                      <a:r>
+                        <a:rPr lang="en-US" sz="2000" dirty="0" smtClean="0"/>
+                        <a:t>).</a:t>
                       </a:r>
                     </a:p>
                     <a:p>
-                      <a:r>
-                        <a:rPr lang="en-US" sz="2000" dirty="0"/>
-                        <a:t>Notify </a:t>
-                      </a:r>
-                      <a:r>
-                        <a:rPr lang="en-US" sz="2000" b="0" dirty="0"/>
-                        <a:t>Registrar via </a:t>
-                      </a:r>
-                      <a:r>
-                        <a:rPr lang="en-US" sz="2000" b="1" dirty="0"/>
-                        <a:t>“Notification of Change of Particulars and Circumstances” form </a:t>
-                      </a:r>
-                      <a:r>
-                        <a:rPr lang="en-US" sz="2000" dirty="0"/>
-                        <a:t>(</a:t>
-                      </a:r>
-                      <a:r>
-                        <a:rPr lang="en-US" sz="2000" dirty="0">
-                          <a:hlinkClick r:id="rId2"/>
-                        </a:rPr>
-                        <a:t>https://go.gov.sg/notify-acd</a:t>
-                      </a:r>
-                      <a:r>
-                        <a:rPr lang="en-US" sz="2000" dirty="0"/>
-                        <a:t>)</a:t>
-                      </a:r>
-                      <a:r>
-                        <a:rPr lang="en-US" sz="2000" baseline="0" dirty="0"/>
-                        <a:t> </a:t>
-                      </a:r>
-                      <a:r>
-                        <a:rPr lang="en-US" sz="2000" b="1" baseline="0" dirty="0"/>
-                        <a:t>at least 14 days before</a:t>
-                      </a:r>
-                      <a:r>
-                        <a:rPr lang="en-US" sz="2000" baseline="0" dirty="0"/>
-                        <a:t> the matter occurs.</a:t>
-                      </a:r>
+                      <a:endParaRPr lang="en-US" sz="2000" dirty="0" smtClean="0"/>
                     </a:p>
                     <a:p>
-                      <a:endParaRPr lang="en-US" sz="2000" baseline="0" dirty="0"/>
-                    </a:p>
-                    <a:p>
-                      <a:r>
-                        <a:rPr lang="en-US" sz="2000" b="1" u="sng" baseline="0" dirty="0">
-                          <a:solidFill>
-                            <a:schemeClr val="accent4">
-                              <a:lumMod val="50000"/>
-                            </a:schemeClr>
-                          </a:solidFill>
-                        </a:rPr>
-                        <a:t>Step 2:</a:t>
-                      </a:r>
-                    </a:p>
-                    <a:p>
-                      <a:r>
-                        <a:rPr lang="en-US" sz="2000" baseline="0" dirty="0"/>
-                        <a:t>Submit an amendment application in </a:t>
-                      </a:r>
-                      <a:r>
-                        <a:rPr lang="en-US" sz="2000" b="1" baseline="0" dirty="0"/>
-                        <a:t>GoBusiness Licensing Portal </a:t>
-                      </a:r>
-                      <a:r>
-                        <a:rPr lang="en-US" sz="2000" baseline="0" dirty="0"/>
-                        <a:t>(</a:t>
-                      </a:r>
-                      <a:r>
-                        <a:rPr lang="en-US" sz="2000" baseline="0" dirty="0">
-                          <a:hlinkClick r:id="rId3"/>
-                        </a:rPr>
-                        <a:t>https://www.gobusiness.gov.sg/licences</a:t>
-                      </a:r>
-                      <a:r>
-                        <a:rPr lang="en-US" sz="2000" baseline="0" dirty="0"/>
-                        <a:t>).</a:t>
-                      </a:r>
-                      <a:endParaRPr lang="en-SG" sz="2000" dirty="0">
-                        <a:highlight>
-                          <a:srgbClr val="FFFF00"/>
-                        </a:highlight>
-                      </a:endParaRPr>
+                      <a:r>
+                        <a:rPr lang="en-US" sz="2000" dirty="0" smtClean="0"/>
+                        <a:t>Note: Email address of Compliance Officer is used by the Registrar to contact the registered dealer</a:t>
+                      </a:r>
+                      <a:endParaRPr lang="en-US" sz="2000" baseline="0" dirty="0" smtClean="0"/>
                     </a:p>
                   </a:txBody>
-                  <a:tcPr>
+                  <a:tcPr marL="91428" marR="91428" marT="70721" marB="70721">
                     <a:lnL w="12700" cmpd="sng">
                       <a:solidFill>
                         <a:sysClr val="window" lastClr="FFFFFF"/>
@@ -5264,13 +5230,13 @@
                     </a:lstStyle>
                     <a:p>
                       <a:r>
-                        <a:rPr lang="en-US" sz="2000" dirty="0"/>
+                        <a:rPr lang="en-US" sz="2000" dirty="0" smtClean="0"/>
                         <a:t>No.</a:t>
                       </a:r>
                       <a:endParaRPr lang="en-SG" sz="2000" dirty="0"/>
                     </a:p>
                   </a:txBody>
-                  <a:tcPr>
+                  <a:tcPr marL="91428" marR="91428" marT="70721" marB="70721">
                     <a:lnL w="12700" cmpd="sng">
                       <a:solidFill>
                         <a:sysClr val="window" lastClr="FFFFFF"/>
@@ -5312,7 +5278,7 @@
                   </a:ext>
                 </a:extLst>
               </a:tr>
-              <a:tr h="4445273">
+              <a:tr h="13520518">
                 <a:tc>
                   <a:txBody>
                     <a:bodyPr/>
@@ -5399,7 +5365,7 @@
                       <a:endParaRPr lang="en-SG" sz="2000" dirty="0"/>
                     </a:p>
                   </a:txBody>
-                  <a:tcPr>
+                  <a:tcPr marL="91428" marR="91428" marT="70721" marB="70721">
                     <a:lnL w="12700" cmpd="sng">
                       <a:solidFill>
                         <a:sysClr val="window" lastClr="FFFFFF"/>
@@ -5531,88 +5497,36 @@
                         <a:defRPr/>
                       </a:pPr>
                       <a:r>
-                        <a:rPr lang="en-US" sz="2000" b="1" baseline="0" dirty="0"/>
-                        <a:t>Duty to notify Registrar of change in circumstances</a:t>
-                      </a:r>
-                    </a:p>
-                    <a:p>
-                      <a:pPr marL="0" marR="0" lvl="0" indent="0" algn="l" defTabSz="914400" rtl="0" eaLnBrk="1" fontAlgn="auto" latinLnBrk="0" hangingPunct="1">
-                        <a:lnSpc>
-                          <a:spcPct val="100000"/>
-                        </a:lnSpc>
-                        <a:spcBef>
-                          <a:spcPts val="0"/>
-                        </a:spcBef>
-                        <a:spcAft>
-                          <a:spcPts val="0"/>
-                        </a:spcAft>
-                        <a:buClrTx/>
-                        <a:buSzTx/>
-                        <a:buFont typeface="+mj-lt"/>
-                        <a:buNone/>
-                        <a:tabLst/>
-                        <a:defRPr/>
-                      </a:pPr>
-                      <a:r>
-                        <a:rPr lang="en-US" sz="2000" b="1" baseline="0" dirty="0">
-                          <a:solidFill>
-                            <a:srgbClr val="C00000"/>
-                          </a:solidFill>
-                        </a:rPr>
-                        <a:t>(which </a:t>
-                      </a:r>
-                      <a:r>
-                        <a:rPr lang="en-US" sz="2000" b="1" u="sng" baseline="0" dirty="0">
-                          <a:solidFill>
-                            <a:srgbClr val="C00000"/>
-                          </a:solidFill>
-                        </a:rPr>
-                        <a:t>does not</a:t>
-                      </a:r>
-                      <a:r>
-                        <a:rPr lang="en-US" sz="2000" b="1" baseline="0" dirty="0">
-                          <a:solidFill>
-                            <a:srgbClr val="C00000"/>
-                          </a:solidFill>
-                        </a:rPr>
-                        <a:t> involve updating information with ACRA)</a:t>
-                      </a:r>
-                    </a:p>
-                    <a:p>
-                      <a:pPr marL="0" indent="0">
-                        <a:buFont typeface="+mj-lt"/>
-                        <a:buNone/>
-                      </a:pPr>
-                      <a:endParaRPr lang="en-US" sz="2000" baseline="0" dirty="0"/>
+                        <a:rPr lang="en-US" sz="2000" b="1" u="sng" baseline="0" dirty="0" smtClean="0"/>
+                        <a:t>Duty to notify Registrar of change in place of business</a:t>
+                      </a:r>
                     </a:p>
                     <a:p>
                       <a:pPr marL="400050" indent="-400050">
                         <a:buFont typeface="+mj-lt"/>
                         <a:buAutoNum type="romanLcPeriod"/>
                       </a:pPr>
-                      <a:r>
-                        <a:rPr lang="en-US" sz="2000" baseline="0" dirty="0"/>
-                        <a:t>Change of other information</a:t>
-                      </a:r>
+                      <a:endParaRPr lang="en-US" sz="2000" baseline="0" dirty="0" smtClean="0"/>
                     </a:p>
                     <a:p>
-                      <a:pPr marL="357188" indent="0">
+                      <a:pPr marL="400050" indent="-400050">
                         <a:buFont typeface="+mj-lt"/>
-                        <a:buNone/>
+                        <a:buAutoNum type="romanLcPeriod"/>
                       </a:pPr>
                       <a:r>
-                        <a:rPr lang="en-US" sz="2000" i="1" baseline="0" dirty="0">
-                          <a:solidFill>
-                            <a:schemeClr val="bg1">
-                              <a:lumMod val="50000"/>
-                            </a:schemeClr>
-                          </a:solidFill>
-                        </a:rPr>
-                        <a:t>(Includes declarations relating to banking and credit card facilities, criminal investigations, bankruptcy)</a:t>
-                      </a:r>
+                        <a:rPr lang="en-US" sz="2000" baseline="0" dirty="0" smtClean="0"/>
+                        <a:t>Change in place of business (Relocation of existing outlet(s)/ Addition of new outlet(s) / Closing of outlet(s))</a:t>
+                      </a:r>
+                      <a:endParaRPr lang="en-US" sz="2000" i="1" baseline="0" dirty="0">
+                        <a:solidFill>
+                          <a:schemeClr val="bg1">
+                            <a:lumMod val="50000"/>
+                          </a:schemeClr>
+                        </a:solidFill>
+                      </a:endParaRPr>
                     </a:p>
                   </a:txBody>
-                  <a:tcPr>
+                  <a:tcPr marL="91428" marR="91428" marT="70721" marB="70721">
                     <a:lnL w="12700" cmpd="sng">
                       <a:solidFill>
                         <a:sysClr val="window" lastClr="FFFFFF"/>
@@ -5727,104 +5641,133 @@
                     </a:lstStyle>
                     <a:p>
                       <a:r>
-                        <a:rPr lang="en-US" sz="2000" b="1" u="sng" dirty="0">
-                          <a:solidFill>
-                            <a:schemeClr val="accent4">
-                              <a:lumMod val="50000"/>
-                            </a:schemeClr>
-                          </a:solidFill>
+                        <a:rPr lang="en-US" sz="2000" u="sng" dirty="0" smtClean="0"/>
+                        <a:t>At least 14 days before </a:t>
+                      </a:r>
+                      <a:r>
+                        <a:rPr lang="en-US" sz="2000" dirty="0" smtClean="0"/>
+                        <a:t>starting to carry out any regulated activity at the new outlet (addition of new outlet) or </a:t>
+                      </a:r>
+                      <a:r>
+                        <a:rPr lang="en-US" sz="2000" u="sng" dirty="0" smtClean="0"/>
+                        <a:t>at least 14 days before </a:t>
+                      </a:r>
+                      <a:r>
+                        <a:rPr lang="en-US" sz="2000" dirty="0" smtClean="0"/>
+                        <a:t>ceasing to carry out any regulated activity at the existing outlet (closing of outlet), submit an amendment application in </a:t>
+                      </a:r>
+                      <a:r>
+                        <a:rPr lang="en-US" sz="2000" b="1" dirty="0" err="1" smtClean="0"/>
+                        <a:t>GoBusiness</a:t>
+                      </a:r>
+                      <a:r>
+                        <a:rPr lang="en-US" sz="2000" b="1" dirty="0" smtClean="0"/>
+                        <a:t> Licensing Portal </a:t>
+                      </a:r>
+                      <a:r>
+                        <a:rPr lang="en-US" sz="2000" dirty="0" smtClean="0"/>
+                        <a:t>(</a:t>
+                      </a:r>
+                      <a:r>
+                        <a:rPr lang="en-US" sz="2000" dirty="0" smtClean="0">
+                          <a:hlinkClick r:id="rId2"/>
                         </a:rPr>
-                        <a:t>Step 1:</a:t>
+                        <a:t>https://www.gobusiness.gov.sg/licences</a:t>
+                      </a:r>
+                      <a:r>
+                        <a:rPr lang="en-US" sz="2000" dirty="0" smtClean="0"/>
+                        <a:t>).</a:t>
                       </a:r>
                     </a:p>
                     <a:p>
-                      <a:r>
-                        <a:rPr lang="en-US" sz="2000" dirty="0"/>
-                        <a:t>Notify </a:t>
-                      </a:r>
-                      <a:r>
-                        <a:rPr lang="en-US" sz="2000" b="0" dirty="0"/>
-                        <a:t>Registrar via </a:t>
-                      </a:r>
-                      <a:r>
-                        <a:rPr lang="en-US" sz="2000" b="1" dirty="0"/>
-                        <a:t>“Notification of Change of Particulars and Circumstances” form  </a:t>
-                      </a:r>
-                      <a:r>
-                        <a:rPr lang="en-US" sz="2000" dirty="0"/>
-                        <a:t>(</a:t>
-                      </a:r>
-                      <a:r>
-                        <a:rPr lang="en-US" sz="2000" dirty="0">
-                          <a:hlinkClick r:id="rId2"/>
-                        </a:rPr>
-                        <a:t>https://go.gov.sg/notify-acd</a:t>
-                      </a:r>
-                      <a:r>
-                        <a:rPr lang="en-US" sz="2000" dirty="0"/>
-                        <a:t>) </a:t>
-                      </a:r>
-                      <a:r>
-                        <a:rPr lang="en-US" sz="2000" baseline="0" dirty="0"/>
-                        <a:t> </a:t>
-                      </a:r>
-                      <a:r>
-                        <a:rPr lang="en-US" sz="2000" b="1" baseline="0" dirty="0"/>
-                        <a:t>within 14 days after</a:t>
-                      </a:r>
-                      <a:r>
-                        <a:rPr lang="en-US" sz="2000" baseline="0" dirty="0"/>
-                        <a:t> the matter occurs.</a:t>
-                      </a:r>
+                      <a:endParaRPr lang="en-US" sz="2000" dirty="0" smtClean="0"/>
                     </a:p>
                     <a:p>
+                      <a:r>
+                        <a:rPr lang="en-US" sz="2000" dirty="0" smtClean="0"/>
+                        <a:t>For registered dealers on Class 1, Class 2 and Class 3 registration, registration fees for additional outlet(s) will be charged on a pro rated basis based on the </a:t>
+                      </a:r>
+                      <a:r>
+                        <a:rPr lang="en-US" sz="2000" dirty="0" smtClean="0"/>
+                        <a:t>formula D/365 </a:t>
+                      </a:r>
+                      <a:r>
+                        <a:rPr lang="en-US" sz="2000" dirty="0" smtClean="0"/>
+                        <a:t>x S$300 x years x number of outlet(s).</a:t>
+                      </a:r>
+                    </a:p>
+                    <a:p>
+                      <a:r>
+                        <a:rPr lang="en-US" sz="2000" dirty="0" smtClean="0"/>
+                        <a:t>Where </a:t>
+                      </a:r>
+                      <a:r>
+                        <a:rPr lang="en-US" sz="2000" dirty="0" smtClean="0"/>
+                        <a:t>D </a:t>
+                      </a:r>
+                      <a:r>
+                        <a:rPr lang="en-US" sz="2000" dirty="0" smtClean="0"/>
+                        <a:t>is the number of days remaining </a:t>
+                      </a:r>
+                    </a:p>
+                    <a:p>
+                      <a:endParaRPr lang="en-US" sz="2000" dirty="0" smtClean="0"/>
+                    </a:p>
+                    <a:p>
+                      <a:r>
+                        <a:rPr lang="en-US" sz="2000" dirty="0" smtClean="0"/>
+                        <a:t>For registered dealers on Class A and Class B, </a:t>
+                      </a:r>
+                      <a:r>
+                        <a:rPr lang="en-US" sz="2000" dirty="0" smtClean="0"/>
+                        <a:t>registration </a:t>
+                      </a:r>
+                      <a:r>
+                        <a:rPr lang="en-US" sz="2000" dirty="0" smtClean="0"/>
+                        <a:t>fees for additional outlet(s) will be charged on a pro rated basis based on the </a:t>
+                      </a:r>
+                      <a:r>
+                        <a:rPr lang="en-US" sz="2000" dirty="0" smtClean="0"/>
+                        <a:t>formula </a:t>
+                      </a:r>
+                      <a:r>
+                        <a:rPr lang="en-US" sz="2000" dirty="0" smtClean="0"/>
+                        <a:t>[(F x D x E) divided by 365] + [(F - G) x D x M divided by 365], where —</a:t>
+                      </a:r>
+                    </a:p>
+                    <a:p>
+                      <a:r>
+                        <a:rPr lang="en-US" sz="2000" dirty="0" smtClean="0"/>
+                        <a:t>F is S$350; </a:t>
+                      </a:r>
+                    </a:p>
+                    <a:p>
+                      <a:r>
+                        <a:rPr lang="en-US" sz="2000" dirty="0" smtClean="0"/>
+                        <a:t>G is S$250; </a:t>
+                      </a:r>
+                    </a:p>
+                    <a:p>
+                      <a:r>
+                        <a:rPr lang="en-US" sz="2000" dirty="0" smtClean="0"/>
+                        <a:t>D is the period (in days) of the remainder of the period of the registered dealer’s registration if not earlier revoked; </a:t>
+                      </a:r>
+                    </a:p>
+                    <a:p>
+                      <a:r>
+                        <a:rPr lang="en-US" sz="2000" dirty="0" smtClean="0"/>
+                        <a:t>E is the number of every place of business in excess of that maximum; and</a:t>
+                      </a:r>
+                    </a:p>
+                    <a:p>
+                      <a:r>
+                        <a:rPr lang="en-US" sz="2000" dirty="0" smtClean="0"/>
+                        <a:t>M is the maximum number of places of business the registered dealer is allowed under the conditions of registration.</a:t>
+                      </a:r>
                       <a:endParaRPr lang="en-US" sz="2000" baseline="0" dirty="0"/>
                     </a:p>
-                    <a:p>
-                      <a:r>
-                        <a:rPr lang="en-US" sz="2000" b="1" u="sng" baseline="0" dirty="0">
-                          <a:solidFill>
-                            <a:schemeClr val="accent4">
-                              <a:lumMod val="50000"/>
-                            </a:schemeClr>
-                          </a:solidFill>
-                        </a:rPr>
-                        <a:t>Step 2:</a:t>
-                      </a:r>
-                    </a:p>
-                    <a:p>
-                      <a:r>
-                        <a:rPr lang="en-US" sz="2000" baseline="0" dirty="0"/>
-                        <a:t>Submit an amendment application in </a:t>
-                      </a:r>
-                      <a:r>
-                        <a:rPr lang="en-US" sz="2000" b="1" baseline="0" dirty="0"/>
-                        <a:t>GoBusiness Licensing Portal </a:t>
-                      </a:r>
-                      <a:r>
-                        <a:rPr lang="en-US" sz="2000" baseline="0" dirty="0"/>
-                        <a:t>(</a:t>
-                      </a:r>
-                      <a:r>
-                        <a:rPr lang="en-US" sz="2000" baseline="0" dirty="0">
-                          <a:hlinkClick r:id="rId3"/>
-                        </a:rPr>
-                        <a:t>https://www.gobusiness.gov.sg/licences</a:t>
-                      </a:r>
-                      <a:r>
-                        <a:rPr lang="en-US" sz="2000" baseline="0" dirty="0"/>
-                        <a:t>).</a:t>
-                      </a:r>
-                    </a:p>
-                    <a:p>
-                      <a:endParaRPr lang="en-US" sz="2000" b="0" baseline="0" dirty="0">
-                        <a:highlight>
-                          <a:srgbClr val="FFFF00"/>
-                        </a:highlight>
-                      </a:endParaRPr>
-                    </a:p>
                   </a:txBody>
-                  <a:tcPr>
+                  <a:tcPr marL="91428" marR="91428" marT="70721" marB="70721">
                     <a:lnL w="12700" cmpd="sng">
                       <a:solidFill>
                         <a:sysClr val="window" lastClr="FFFFFF"/>
@@ -5939,13 +5882,22 @@
                     </a:lstStyle>
                     <a:p>
                       <a:r>
-                        <a:rPr lang="en-US" sz="2000" dirty="0"/>
-                        <a:t>No.</a:t>
+                        <a:rPr lang="en-US" sz="2000" dirty="0" smtClean="0"/>
+                        <a:t>Yes.</a:t>
+                      </a:r>
+                    </a:p>
+                    <a:p>
+                      <a:endParaRPr lang="en-US" sz="2000" dirty="0" smtClean="0"/>
+                    </a:p>
+                    <a:p>
+                      <a:r>
+                        <a:rPr lang="en-US" sz="2000" dirty="0" smtClean="0"/>
+                        <a:t>For reduction in number of outlets, there is no refund of registration fees.</a:t>
                       </a:r>
                       <a:endParaRPr lang="en-SG" sz="2000" dirty="0"/>
                     </a:p>
                   </a:txBody>
-                  <a:tcPr>
+                  <a:tcPr marL="91428" marR="91428" marT="70721" marB="70721">
                     <a:lnL w="12700" cmpd="sng">
                       <a:solidFill>
                         <a:sysClr val="window" lastClr="FFFFFF"/>
@@ -5987,7 +5939,7 @@
                   </a:ext>
                 </a:extLst>
               </a:tr>
-              <a:tr h="7658123">
+              <a:tr h="9547644">
                 <a:tc>
                   <a:txBody>
                     <a:bodyPr/>
@@ -6074,7 +6026,7 @@
                       <a:endParaRPr lang="en-SG" sz="2000" dirty="0"/>
                     </a:p>
                   </a:txBody>
-                  <a:tcPr>
+                  <a:tcPr marL="91428" marR="91428" marT="70721" marB="70721">
                     <a:lnL w="12700" cmpd="sng">
                       <a:solidFill>
                         <a:sysClr val="window" lastClr="FFFFFF"/>
@@ -6206,70 +6158,23 @@
                         <a:defRPr/>
                       </a:pPr>
                       <a:r>
-                        <a:rPr lang="en-US" sz="2000" b="1" baseline="0" dirty="0"/>
-                        <a:t>Duty to notify Registrar of change in place of business</a:t>
-                      </a:r>
+                        <a:rPr lang="en-US" sz="2000" b="1" u="sng" baseline="0" dirty="0" smtClean="0"/>
+                        <a:t>Duty to notify Registrar of change in condition restricting the net price of product that is sold </a:t>
+                      </a:r>
+                      <a:r>
+                        <a:rPr lang="en-US" sz="2000" b="1" u="sng" baseline="0" dirty="0" smtClean="0">
+                          <a:solidFill>
+                            <a:srgbClr val="C00000"/>
+                          </a:solidFill>
+                        </a:rPr>
+                        <a:t>(Only for registered dealers on Class A and Class B)</a:t>
+                      </a:r>
+                      <a:endParaRPr lang="en-US" sz="2000" u="sng" baseline="0" dirty="0"/>
                     </a:p>
                     <a:p>
-                      <a:pPr marL="0" marR="0" lvl="0" indent="0" algn="l" defTabSz="914400" rtl="0" eaLnBrk="1" fontAlgn="auto" latinLnBrk="0" hangingPunct="1">
-                        <a:lnSpc>
-                          <a:spcPct val="100000"/>
-                        </a:lnSpc>
-                        <a:spcBef>
-                          <a:spcPts val="0"/>
-                        </a:spcBef>
-                        <a:spcAft>
-                          <a:spcPts val="0"/>
-                        </a:spcAft>
-                        <a:buClrTx/>
-                        <a:buSzTx/>
+                      <a:pPr marL="400050" indent="-400050">
                         <a:buFont typeface="+mj-lt"/>
-                        <a:buNone/>
-                        <a:tabLst/>
-                        <a:defRPr/>
-                      </a:pPr>
-                      <a:r>
-                        <a:rPr lang="en-US" sz="2000" b="1" baseline="0" dirty="0">
-                          <a:solidFill>
-                            <a:srgbClr val="C00000"/>
-                          </a:solidFill>
-                        </a:rPr>
-                        <a:t>(which </a:t>
-                      </a:r>
-                      <a:r>
-                        <a:rPr lang="en-US" sz="2000" b="1" u="sng" baseline="0" dirty="0">
-                          <a:solidFill>
-                            <a:srgbClr val="C00000"/>
-                          </a:solidFill>
-                        </a:rPr>
-                        <a:t>does not</a:t>
-                      </a:r>
-                      <a:r>
-                        <a:rPr lang="en-US" sz="2000" b="1" baseline="0" dirty="0">
-                          <a:solidFill>
-                            <a:srgbClr val="C00000"/>
-                          </a:solidFill>
-                        </a:rPr>
-                        <a:t> involve updating information with ACRA)</a:t>
-                      </a:r>
-                    </a:p>
-                    <a:p>
-                      <a:pPr marL="0" marR="0" lvl="0" indent="0" algn="l" defTabSz="914400" rtl="0" eaLnBrk="1" fontAlgn="auto" latinLnBrk="0" hangingPunct="1">
-                        <a:lnSpc>
-                          <a:spcPct val="100000"/>
-                        </a:lnSpc>
-                        <a:spcBef>
-                          <a:spcPts val="0"/>
-                        </a:spcBef>
-                        <a:spcAft>
-                          <a:spcPts val="0"/>
-                        </a:spcAft>
-                        <a:buClrTx/>
-                        <a:buSzTx/>
-                        <a:buFont typeface="+mj-lt"/>
-                        <a:buNone/>
-                        <a:tabLst/>
-                        <a:defRPr/>
+                        <a:buAutoNum type="romanLcPeriod"/>
                       </a:pPr>
                       <a:endParaRPr lang="en-US" sz="2000" baseline="0" dirty="0"/>
                     </a:p>
@@ -6279,28 +6184,37 @@
                         <a:buAutoNum type="romanLcPeriod"/>
                       </a:pPr>
                       <a:r>
-                        <a:rPr lang="en-US" sz="2000" baseline="0" dirty="0"/>
-                        <a:t>Change in place of business</a:t>
+                        <a:rPr lang="en-US" sz="2000" baseline="0" dirty="0" smtClean="0"/>
+                        <a:t>Where the registration is subject to a condition that the net price of every precious stone, precious metal or precious product that is or is to be sold by the registered dealer be less than S$2,000 a piece and would like to remove the restriction.</a:t>
                       </a:r>
                     </a:p>
                     <a:p>
-                      <a:pPr marL="357188" indent="0">
+                      <a:pPr marL="400050" indent="-400050">
+                        <a:buFont typeface="+mj-lt"/>
+                        <a:buAutoNum type="romanLcPeriod"/>
+                      </a:pPr>
+                      <a:endParaRPr lang="en-US" sz="2000" baseline="0" dirty="0" smtClean="0"/>
+                    </a:p>
+                    <a:p>
+                      <a:pPr marL="0" indent="0">
                         <a:buFont typeface="+mj-lt"/>
                         <a:buNone/>
                       </a:pPr>
                       <a:r>
-                        <a:rPr lang="en-US" sz="2000" i="1" baseline="0" dirty="0">
-                          <a:solidFill>
-                            <a:schemeClr val="bg1">
-                              <a:lumMod val="50000"/>
-                            </a:schemeClr>
+                        <a:rPr lang="en-US" sz="2000" baseline="0" dirty="0" smtClean="0">
+                          <a:solidFill>
+                            <a:srgbClr val="FF0000"/>
                           </a:solidFill>
                         </a:rPr>
-                        <a:t>(Relocation of existing outlet/ Addition of new outlet(s)/ Closing of outlet(s))</a:t>
+                        <a:t>Not applicable for registered dealers on Class 1, Class 2 and Class 3 registration</a:t>
+                      </a:r>
+                      <a:r>
+                        <a:rPr lang="en-US" sz="2000" baseline="0" dirty="0" smtClean="0"/>
+                        <a:t>.</a:t>
                       </a:r>
                     </a:p>
                   </a:txBody>
-                  <a:tcPr>
+                  <a:tcPr marL="91428" marR="91428" marT="70721" marB="70721">
                     <a:lnL w="12700" cmpd="sng">
                       <a:solidFill>
                         <a:sysClr val="window" lastClr="FFFFFF"/>
@@ -6415,112 +6329,90 @@
                     </a:lstStyle>
                     <a:p>
                       <a:r>
-                        <a:rPr lang="en-US" sz="2000" b="1" u="sng" dirty="0">
-                          <a:solidFill>
-                            <a:schemeClr val="accent4">
-                              <a:lumMod val="50000"/>
-                            </a:schemeClr>
-                          </a:solidFill>
+                        <a:rPr lang="en-US" sz="2000" dirty="0" smtClean="0"/>
+                        <a:t>Before </a:t>
+                      </a:r>
+                      <a:r>
+                        <a:rPr lang="en-US" sz="2000" u="sng" dirty="0" smtClean="0"/>
+                        <a:t>starting to carry out </a:t>
+                      </a:r>
+                      <a:r>
+                        <a:rPr lang="en-US" sz="2000" dirty="0" smtClean="0"/>
+                        <a:t>any regulated activity where the net price of any precious stone, precious metal or precious product that is or is to be sold by the registered dealer is S$2,000 or more a piece, submit an amendment application in </a:t>
+                      </a:r>
+                      <a:r>
+                        <a:rPr lang="en-US" sz="2000" b="1" dirty="0" err="1" smtClean="0"/>
+                        <a:t>GoBusiness</a:t>
+                      </a:r>
+                      <a:r>
+                        <a:rPr lang="en-US" sz="2000" b="1" dirty="0" smtClean="0"/>
+                        <a:t> Licensing Portal </a:t>
+                      </a:r>
+                      <a:r>
+                        <a:rPr lang="en-US" sz="2000" dirty="0" smtClean="0"/>
+                        <a:t>(</a:t>
+                      </a:r>
+                      <a:r>
+                        <a:rPr lang="en-US" sz="2000" dirty="0" smtClean="0">
+                          <a:hlinkClick r:id="rId2"/>
                         </a:rPr>
-                        <a:t>Step 1:</a:t>
+                        <a:t>https://www.gobusiness.gov.sg/licences</a:t>
+                      </a:r>
+                      <a:r>
+                        <a:rPr lang="en-US" sz="2000" dirty="0" smtClean="0"/>
+                        <a:t>).</a:t>
                       </a:r>
                     </a:p>
                     <a:p>
-                      <a:r>
-                        <a:rPr lang="en-US" sz="2000" dirty="0"/>
-                        <a:t>Notify </a:t>
-                      </a:r>
-                      <a:r>
-                        <a:rPr lang="en-US" sz="2000" b="0" dirty="0"/>
-                        <a:t>Registrar via </a:t>
-                      </a:r>
-                      <a:r>
-                        <a:rPr lang="en-US" sz="2000" b="1" dirty="0"/>
-                        <a:t>“Notification of Change of Particulars and Circumstances” form  </a:t>
-                      </a:r>
-                      <a:r>
-                        <a:rPr lang="en-US" sz="2000" dirty="0"/>
-                        <a:t>(</a:t>
-                      </a:r>
-                      <a:r>
-                        <a:rPr lang="en-US" sz="2000" dirty="0">
-                          <a:hlinkClick r:id="rId2"/>
-                        </a:rPr>
-                        <a:t>https://go.gov.sg/notify-acd</a:t>
-                      </a:r>
-                      <a:r>
-                        <a:rPr lang="en-US" sz="2000" dirty="0"/>
-                        <a:t>)</a:t>
-                      </a:r>
-                      <a:r>
-                        <a:rPr lang="en-US" sz="2000" baseline="0" dirty="0"/>
-                        <a:t> </a:t>
-                      </a:r>
-                      <a:r>
-                        <a:rPr lang="en-US" sz="2000" b="1" baseline="0" dirty="0"/>
-                        <a:t>at least 14 days before </a:t>
-                      </a:r>
-                      <a:r>
-                        <a:rPr lang="en-US" sz="2000" baseline="0" dirty="0"/>
-                        <a:t>starting to carry out any regulated activity at the new outlet (addition of new outlet) or before ceasing to carry out any regulated activity at the existing outlet (closing of outlet).</a:t>
-                      </a:r>
+                      <a:endParaRPr lang="en-US" sz="2000" dirty="0" smtClean="0"/>
                     </a:p>
                     <a:p>
-                      <a:endParaRPr lang="en-US" sz="2000" baseline="0" dirty="0"/>
+                      <a:r>
+                        <a:rPr lang="en-US" sz="2000" dirty="0" smtClean="0"/>
+                        <a:t>Registration fees will be charged on a pro rated basis based on the </a:t>
+                      </a:r>
+                      <a:r>
+                        <a:rPr lang="en-US" sz="2000" dirty="0" smtClean="0"/>
+                        <a:t>formula </a:t>
+                      </a:r>
+                      <a:r>
+                        <a:rPr lang="en-US" sz="2000" dirty="0" smtClean="0"/>
+                        <a:t>[(F - G x D) divided by 365], where —</a:t>
+                      </a:r>
                     </a:p>
                     <a:p>
                       <a:r>
-                        <a:rPr lang="en-US" sz="2000" b="1" u="sng" baseline="0" dirty="0">
-                          <a:solidFill>
-                            <a:schemeClr val="accent4">
-                              <a:lumMod val="50000"/>
-                            </a:schemeClr>
-                          </a:solidFill>
-                        </a:rPr>
-                        <a:t>Step 2:</a:t>
+                        <a:rPr lang="en-US" sz="2000" dirty="0" smtClean="0"/>
+                        <a:t>F is S$350; </a:t>
                       </a:r>
                     </a:p>
                     <a:p>
                       <a:r>
-                        <a:rPr lang="en-US" sz="2000" baseline="0" dirty="0"/>
-                        <a:t>Submit an amendment application in </a:t>
-                      </a:r>
-                      <a:r>
-                        <a:rPr lang="en-US" sz="2000" b="1" baseline="0" dirty="0"/>
-                        <a:t>GoBusiness Licensing Portal </a:t>
-                      </a:r>
-                      <a:r>
-                        <a:rPr lang="en-US" sz="2000" b="0" baseline="0" dirty="0"/>
-                        <a:t>(</a:t>
-                      </a:r>
-                      <a:r>
-                        <a:rPr lang="en-US" sz="2000" b="0" baseline="0" dirty="0">
-                          <a:hlinkClick r:id="rId3"/>
-                        </a:rPr>
-                        <a:t>https://www.gobusiness.gov.sg/licences</a:t>
-                      </a:r>
-                      <a:r>
-                        <a:rPr lang="en-US" sz="2000" b="0" baseline="0" dirty="0"/>
-                        <a:t>).</a:t>
+                        <a:rPr lang="en-US" sz="2000" dirty="0" smtClean="0"/>
+                        <a:t>G is S$250; </a:t>
                       </a:r>
                     </a:p>
                     <a:p>
-                      <a:endParaRPr lang="en-US" sz="2000" b="0" baseline="0" dirty="0"/>
+                      <a:r>
+                        <a:rPr lang="en-US" sz="2000" dirty="0" smtClean="0"/>
+                        <a:t>D is the period (in days) of the remainder of the period of the registered dealer’s registration if not earlier revoked; </a:t>
+                      </a:r>
                     </a:p>
                     <a:p>
-                      <a:endParaRPr lang="en-US" sz="2000" b="0" baseline="0" dirty="0"/>
+                      <a:r>
+                        <a:rPr lang="en-US" sz="2000" dirty="0" smtClean="0"/>
+                        <a:t>E is the number of every place of business in excess of that maximum; and </a:t>
+                      </a:r>
                     </a:p>
                     <a:p>
                       <a:r>
-                        <a:rPr lang="en-US" sz="2000" dirty="0"/>
-                        <a:t>Note: The amendment application form only allows registration commencement date for the new outlet to start 14 days after the date of submitting the form.</a:t>
-                      </a:r>
-                    </a:p>
-                    <a:p>
+                        <a:rPr lang="en-US" sz="2000" dirty="0" smtClean="0"/>
+                        <a:t>M is the maximum number of places of business the registered dealer is allowed under the conditions of registration.</a:t>
+                      </a:r>
                       <a:endParaRPr lang="en-SG" sz="2000" dirty="0"/>
                     </a:p>
                   </a:txBody>
-                  <a:tcPr>
+                  <a:tcPr marL="91428" marR="91428" marT="70721" marB="70721">
                     <a:lnL w="12700" cmpd="sng">
                       <a:solidFill>
                         <a:sysClr val="window" lastClr="FFFFFF"/>
@@ -6635,56 +6527,27 @@
                     </a:lstStyle>
                     <a:p>
                       <a:r>
-                        <a:rPr lang="en-US" sz="2000" dirty="0"/>
-                        <a:t>Registration fees for additional outlet(s) will be charged on a prorated basis based on the formulae (</a:t>
-                      </a:r>
-                      <a:r>
-                        <a:rPr lang="en-US" sz="2000" dirty="0" err="1"/>
-                        <a:t>CxD</a:t>
-                      </a:r>
-                      <a:r>
-                        <a:rPr lang="en-US" sz="2000" dirty="0"/>
-                        <a:t>)/365 x E.</a:t>
-                      </a:r>
+                        <a:rPr lang="en-US" sz="2000" dirty="0" smtClean="0"/>
+                        <a:t>Yes.</a:t>
+                      </a:r>
+                    </a:p>
+                    <a:p>
+                      <a:endParaRPr lang="en-US" sz="2000" dirty="0" smtClean="0"/>
+                    </a:p>
+                    <a:p>
+                      <a:r>
+                        <a:rPr lang="en-US" sz="2000" dirty="0" smtClean="0"/>
+                        <a:t>For changes from Class B to Class A, there is no refund of registration fees.</a:t>
+                      </a:r>
+                    </a:p>
+                    <a:p>
+                      <a:endParaRPr lang="en-US" sz="2000" dirty="0" smtClean="0"/>
                     </a:p>
                     <a:p>
                       <a:endParaRPr lang="en-US" sz="2000" dirty="0"/>
                     </a:p>
-                    <a:p>
-                      <a:r>
-                        <a:rPr lang="en-US" sz="2000" dirty="0"/>
-                        <a:t>Note: </a:t>
-                      </a:r>
-                    </a:p>
-                    <a:p>
-                      <a:r>
-                        <a:rPr lang="en-US" sz="2000" dirty="0"/>
-                        <a:t>C is $300. </a:t>
-                      </a:r>
-                    </a:p>
-                    <a:p>
-                      <a:r>
-                        <a:rPr lang="en-US" sz="2000" dirty="0"/>
-                        <a:t>D is the period (in days) of the remainder of the period of the registered dealer’s registration.</a:t>
-                      </a:r>
-                    </a:p>
-                    <a:p>
-                      <a:r>
-                        <a:rPr lang="en-US" sz="2000" dirty="0"/>
-                        <a:t>E is the number of additional outlet to add.</a:t>
-                      </a:r>
-                    </a:p>
-                    <a:p>
-                      <a:endParaRPr lang="en-US" sz="2000" dirty="0"/>
-                    </a:p>
-                    <a:p>
-                      <a:r>
-                        <a:rPr lang="en-US" sz="2000" dirty="0"/>
-                        <a:t>For reduction in number of outlets, there is no refund of registration fees.</a:t>
-                      </a:r>
-                    </a:p>
                   </a:txBody>
-                  <a:tcPr>
+                  <a:tcPr marL="91428" marR="91428" marT="70721" marB="70721">
                     <a:lnL w="12700" cmpd="sng">
                       <a:solidFill>
                         <a:sysClr val="window" lastClr="FFFFFF"/>
@@ -6738,8 +6601,8 @@
         </p:nvSpPr>
         <p:spPr>
           <a:xfrm>
-            <a:off x="1" y="0"/>
-            <a:ext cx="12192000" cy="365760"/>
+            <a:off x="5" y="2"/>
+            <a:ext cx="12190413" cy="447619"/>
           </a:xfrm>
           <a:prstGeom prst="rect">
             <a:avLst/>
@@ -6754,62 +6617,20 @@
           <a:effectLst/>
         </p:spPr>
         <p:txBody>
-          <a:bodyPr rtlCol="0" anchor="ctr"/>
+          <a:bodyPr lIns="113239" tIns="56620" rIns="113239" bIns="56620" rtlCol="0" anchor="ctr"/>
           <a:lstStyle/>
           <a:p>
-            <a:pPr algn="ctr" defTabSz="914389">
+            <a:pPr algn="ctr" defTabSz="1132379">
               <a:defRPr/>
             </a:pPr>
             <a:endParaRPr lang="en-US" kern="0" dirty="0">
               <a:solidFill>
                 <a:prstClr val="white"/>
               </a:solidFill>
-              <a:latin typeface="Corbel"/>
             </a:endParaRPr>
           </a:p>
         </p:txBody>
       </p:sp>
-      <p:pic>
-        <p:nvPicPr>
-          <p:cNvPr id="13" name="Picture 12" descr="Ministry of Law"/>
-          <p:cNvPicPr>
-            <a:picLocks noChangeAspect="1" noChangeArrowheads="1"/>
-          </p:cNvPicPr>
-          <p:nvPr/>
-        </p:nvPicPr>
-        <p:blipFill>
-          <a:blip r:embed="rId4">
-            <a:extLst>
-              <a:ext uri="{28A0092B-C50C-407E-A947-70E740481C1C}">
-                <a14:useLocalDpi xmlns:a14="http://schemas.microsoft.com/office/drawing/2010/main"/>
-              </a:ext>
-            </a:extLst>
-          </a:blip>
-          <a:srcRect/>
-          <a:stretch>
-            <a:fillRect/>
-          </a:stretch>
-        </p:blipFill>
-        <p:spPr bwMode="auto">
-          <a:xfrm>
-            <a:off x="10808043" y="-3499"/>
-            <a:ext cx="1371258" cy="368317"/>
-          </a:xfrm>
-          <a:prstGeom prst="rect">
-            <a:avLst/>
-          </a:prstGeom>
-          <a:noFill/>
-          <a:extLst>
-            <a:ext uri="{909E8E84-426E-40DD-AFC4-6F175D3DCCD1}">
-              <a14:hiddenFill xmlns:a14="http://schemas.microsoft.com/office/drawing/2010/main">
-                <a:solidFill>
-                  <a:srgbClr val="FFFFFF"/>
-                </a:solidFill>
-              </a14:hiddenFill>
-            </a:ext>
-          </a:extLst>
-        </p:spPr>
-      </p:pic>
       <p:sp>
         <p:nvSpPr>
           <p:cNvPr id="15" name="Title 1"/>
@@ -6820,8 +6641,55 @@
         </p:nvSpPr>
         <p:spPr>
           <a:xfrm>
-            <a:off x="27093" y="-19238"/>
-            <a:ext cx="9456120" cy="368317"/>
+            <a:off x="27093" y="-29756"/>
+            <a:ext cx="9454889" cy="569741"/>
+          </a:xfrm>
+          <a:prstGeom prst="rect">
+            <a:avLst/>
+          </a:prstGeom>
+        </p:spPr>
+        <p:txBody>
+          <a:bodyPr vert="horz" lIns="113239" tIns="56620" rIns="113239" bIns="56620" rtlCol="0" anchor="ctr">
+            <a:noAutofit/>
+          </a:bodyPr>
+          <a:lstStyle>
+            <a:lvl1pPr algn="l" defTabSz="914400" rtl="0" eaLnBrk="1" latinLnBrk="0" hangingPunct="1">
+              <a:spcBef>
+                <a:spcPct val="0"/>
+              </a:spcBef>
+              <a:buNone/>
+              <a:defRPr sz="1600" b="0" kern="1200" spc="-100" baseline="0">
+                <a:solidFill>
+                  <a:schemeClr val="bg1"/>
+                </a:solidFill>
+                <a:latin typeface="Calibri" panose="020F0502020204030204" pitchFamily="34" charset="0"/>
+                <a:ea typeface="+mj-ea"/>
+                <a:cs typeface="Calibri" panose="020F0502020204030204" pitchFamily="34" charset="0"/>
+              </a:defRPr>
+            </a:lvl1pPr>
+          </a:lstStyle>
+          <a:p>
+            <a:endParaRPr lang="en-SG" sz="3000" b="1" dirty="0">
+              <a:solidFill>
+                <a:sysClr val="window" lastClr="FFFFFF"/>
+              </a:solidFill>
+              <a:latin typeface="+mn-lt"/>
+            </a:endParaRPr>
+          </a:p>
+        </p:txBody>
+      </p:sp>
+      <p:sp>
+        <p:nvSpPr>
+          <p:cNvPr id="6" name="Title 1"/>
+          <p:cNvSpPr txBox="1">
+            <a:spLocks/>
+          </p:cNvSpPr>
+          <p:nvPr/>
+        </p:nvSpPr>
+        <p:spPr>
+          <a:xfrm>
+            <a:off x="5" y="-54999"/>
+            <a:ext cx="9456120" cy="557619"/>
           </a:xfrm>
           <a:prstGeom prst="rect">
             <a:avLst/>
@@ -6853,6 +6721,7 @@
                 <a:solidFill>
                   <a:sysClr val="window" lastClr="FFFFFF"/>
                 </a:solidFill>
+                <a:latin typeface="+mn-lt"/>
               </a:rPr>
               <a:t>Duty to Notify Registrar of Change in Particulars and Circumstances</a:t>
             </a:r>
@@ -6860,10 +6729,52 @@
               <a:solidFill>
                 <a:sysClr val="window" lastClr="FFFFFF"/>
               </a:solidFill>
+              <a:latin typeface="+mn-lt"/>
             </a:endParaRPr>
           </a:p>
         </p:txBody>
       </p:sp>
+      <p:pic>
+        <p:nvPicPr>
+          <p:cNvPr id="8" name="Picture 7" descr="Ministry of Law"/>
+          <p:cNvPicPr>
+            <a:picLocks noChangeAspect="1" noChangeArrowheads="1"/>
+          </p:cNvPicPr>
+          <p:nvPr/>
+        </p:nvPicPr>
+        <p:blipFill>
+          <a:blip r:embed="rId3">
+            <a:extLst>
+              <a:ext uri="{28A0092B-C50C-407E-A947-70E740481C1C}">
+                <a14:useLocalDpi xmlns:a14="http://schemas.microsoft.com/office/drawing/2010/main"/>
+              </a:ext>
+            </a:extLst>
+          </a:blip>
+          <a:srcRect/>
+          <a:stretch>
+            <a:fillRect/>
+          </a:stretch>
+        </p:blipFill>
+        <p:spPr bwMode="auto">
+          <a:xfrm>
+            <a:off x="10819157" y="1"/>
+            <a:ext cx="1371258" cy="447620"/>
+          </a:xfrm>
+          <a:prstGeom prst="rect">
+            <a:avLst/>
+          </a:prstGeom>
+          <a:noFill/>
+          <a:extLst>
+            <a:ext uri="{909E8E84-426E-40DD-AFC4-6F175D3DCCD1}">
+              <a14:hiddenFill xmlns:a14="http://schemas.microsoft.com/office/drawing/2010/main">
+                <a:solidFill>
+                  <a:srgbClr val="FFFFFF"/>
+                </a:solidFill>
+              </a14:hiddenFill>
+            </a:ext>
+          </a:extLst>
+        </p:spPr>
+      </p:pic>
     </p:spTree>
     <p:extLst>
       <p:ext uri="{BB962C8B-B14F-4D97-AF65-F5344CB8AC3E}">
@@ -6874,6 +6785,13 @@
   <p:clrMapOvr>
     <a:masterClrMapping/>
   </p:clrMapOvr>
+  <p:timing>
+    <p:tnLst>
+      <p:par>
+        <p:cTn id="1" dur="indefinite" restart="never" nodeType="tmRoot"/>
+      </p:par>
+    </p:tnLst>
+  </p:timing>
 </p:sld>
 </file>
 
@@ -6920,7 +6838,7 @@
     </a:clrScheme>
     <a:fontScheme name="Office Theme">
       <a:majorFont>
-        <a:latin typeface="Calibri Light" panose="020F0302020204030204"/>
+        <a:latin typeface="Calibri Light"/>
         <a:ea typeface=""/>
         <a:cs typeface=""/>
         <a:font script="Jpan" typeface="游ゴシック Light"/>
@@ -6955,7 +6873,7 @@
         <a:font script="Geor" typeface="Sylfaen"/>
       </a:majorFont>
       <a:minorFont>
-        <a:latin typeface="Calibri" panose="020F0502020204030204"/>
+        <a:latin typeface="Calibri"/>
         <a:ea typeface=""/>
         <a:cs typeface=""/>
         <a:font script="Jpan" typeface="游ゴシック"/>
@@ -7181,7 +7099,7 @@
     </a:clrScheme>
     <a:fontScheme name="Office">
       <a:majorFont>
-        <a:latin typeface="Calibri Light" panose="020F0302020204030204"/>
+        <a:latin typeface="Calibri Light"/>
         <a:ea typeface=""/>
         <a:cs typeface=""/>
         <a:font script="Jpan" typeface="游ゴシック Light"/>
@@ -7216,7 +7134,7 @@
         <a:font script="Geor" typeface="Sylfaen"/>
       </a:majorFont>
       <a:minorFont>
-        <a:latin typeface="Calibri" panose="020F0502020204030204"/>
+        <a:latin typeface="Calibri"/>
         <a:ea typeface=""/>
         <a:cs typeface=""/>
         <a:font script="Jpan" typeface="游ゴシック"/>
@@ -7635,15 +7553,15 @@
 <file path=customXml/itemProps4.xml><?xml version="1.0" encoding="utf-8"?>
 <ds:datastoreItem xmlns:ds="http://schemas.openxmlformats.org/officeDocument/2006/customXml" ds:itemID="{24C14323-4352-4FB8-9FA0-2D005816ABC9}">
   <ds:schemaRefs>
-    <ds:schemaRef ds:uri="http://purl.org/dc/terms/"/>
-    <ds:schemaRef ds:uri="a85b171a-1052-409b-8da0-7018bcbcf029"/>
     <ds:schemaRef ds:uri="http://purl.org/dc/dcmitype/"/>
+    <ds:schemaRef ds:uri="http://schemas.microsoft.com/office/2006/documentManagement/types"/>
     <ds:schemaRef ds:uri="http://purl.org/dc/elements/1.1/"/>
     <ds:schemaRef ds:uri="http://schemas.microsoft.com/office/2006/metadata/properties"/>
-    <ds:schemaRef ds:uri="http://schemas.microsoft.com/office/2006/documentManagement/types"/>
+    <ds:schemaRef ds:uri="http://schemas.microsoft.com/office/infopath/2007/PartnerControls"/>
     <ds:schemaRef ds:uri="http://schemas.microsoft.com/sharepoint/v3"/>
-    <ds:schemaRef ds:uri="http://schemas.microsoft.com/office/infopath/2007/PartnerControls"/>
+    <ds:schemaRef ds:uri="http://purl.org/dc/terms/"/>
     <ds:schemaRef ds:uri="http://schemas.openxmlformats.org/package/2006/metadata/core-properties"/>
+    <ds:schemaRef ds:uri="a85b171a-1052-409b-8da0-7018bcbcf029"/>
     <ds:schemaRef ds:uri="http://www.w3.org/XML/1998/namespace"/>
   </ds:schemaRefs>
 </ds:datastoreItem>
